--- a/KOSS.pptx
+++ b/KOSS.pptx
@@ -6,7 +6,7 @@
   </p:sldMasterIdLst>
   <p:sldIdLst>
     <p:sldId id="272" r:id="rId2"/>
-    <p:sldId id="273" r:id="rId3"/>
+    <p:sldId id="270" r:id="rId3"/>
     <p:sldId id="256" r:id="rId4"/>
     <p:sldId id="257" r:id="rId5"/>
     <p:sldId id="258" r:id="rId6"/>
@@ -21,7 +21,7 @@
     <p:sldId id="267" r:id="rId15"/>
     <p:sldId id="268" r:id="rId16"/>
     <p:sldId id="269" r:id="rId17"/>
-    <p:sldId id="270" r:id="rId18"/>
+    <p:sldId id="273" r:id="rId18"/>
     <p:sldId id="271" r:id="rId19"/>
   </p:sldIdLst>
   <p:sldSz cx="12192000" cy="6858000"/>
@@ -5563,12 +5563,110 @@
           <a:chExt cx="0" cy="0"/>
         </a:xfrm>
       </p:grpSpPr>
+      <p:sp>
+        <p:nvSpPr>
+          <p:cNvPr id="8" name="TextBox 7">
+            <a:extLst>
+              <a:ext uri="{FF2B5EF4-FFF2-40B4-BE49-F238E27FC236}">
+                <a16:creationId xmlns:a16="http://schemas.microsoft.com/office/drawing/2014/main" id="{631A05E3-9DC6-FAA3-F15D-64C7BBD5AC51}"/>
+              </a:ext>
+            </a:extLst>
+          </p:cNvPr>
+          <p:cNvSpPr txBox="1"/>
+          <p:nvPr/>
+        </p:nvSpPr>
+        <p:spPr>
+          <a:xfrm>
+            <a:off x="452388" y="423617"/>
+            <a:ext cx="3744228" cy="5632311"/>
+          </a:xfrm>
+          <a:prstGeom prst="rect">
+            <a:avLst/>
+          </a:prstGeom>
+          <a:noFill/>
+        </p:spPr>
+        <p:txBody>
+          <a:bodyPr wrap="square" rtlCol="0">
+            <a:spAutoFit/>
+          </a:bodyPr>
+          <a:lstStyle/>
+          <a:p>
+            <a:r>
+              <a:rPr lang="en-US" dirty="0">
+                <a:latin typeface="Cascadia Code SemiBold" panose="020B0609020000020004" pitchFamily="49" charset="0"/>
+                <a:ea typeface="Cascadia Code SemiBold" panose="020B0609020000020004" pitchFamily="49" charset="0"/>
+                <a:cs typeface="Cascadia Code SemiBold" panose="020B0609020000020004" pitchFamily="49" charset="0"/>
+              </a:rPr>
+              <a:t>The git diff command is a widely used tool to track the changes.</a:t>
+            </a:r>
+          </a:p>
+          <a:p>
+            <a:endParaRPr lang="en-US" dirty="0">
+              <a:latin typeface="Cascadia Code SemiBold" panose="020B0609020000020004" pitchFamily="49" charset="0"/>
+              <a:ea typeface="Cascadia Code SemiBold" panose="020B0609020000020004" pitchFamily="49" charset="0"/>
+              <a:cs typeface="Cascadia Code SemiBold" panose="020B0609020000020004" pitchFamily="49" charset="0"/>
+            </a:endParaRPr>
+          </a:p>
+          <a:p>
+            <a:r>
+              <a:rPr lang="en-US" dirty="0">
+                <a:latin typeface="Cascadia Code SemiBold" panose="020B0609020000020004" pitchFamily="49" charset="0"/>
+                <a:ea typeface="Cascadia Code SemiBold" panose="020B0609020000020004" pitchFamily="49" charset="0"/>
+                <a:cs typeface="Cascadia Code SemiBold" panose="020B0609020000020004" pitchFamily="49" charset="0"/>
+              </a:rPr>
+              <a:t>The git diff command allows us to compare different versions of branches and repositories. To get the difference between branches, run the git diff command as follows:</a:t>
+            </a:r>
+          </a:p>
+          <a:p>
+            <a:endParaRPr lang="en-US" dirty="0">
+              <a:latin typeface="Cascadia Code SemiBold" panose="020B0609020000020004" pitchFamily="49" charset="0"/>
+              <a:ea typeface="Cascadia Code SemiBold" panose="020B0609020000020004" pitchFamily="49" charset="0"/>
+              <a:cs typeface="Cascadia Code SemiBold" panose="020B0609020000020004" pitchFamily="49" charset="0"/>
+            </a:endParaRPr>
+          </a:p>
+          <a:p>
+            <a:r>
+              <a:rPr lang="en-US" dirty="0">
+                <a:latin typeface="Cascadia Code SemiBold" panose="020B0609020000020004" pitchFamily="49" charset="0"/>
+                <a:ea typeface="Cascadia Code SemiBold" panose="020B0609020000020004" pitchFamily="49" charset="0"/>
+                <a:cs typeface="Cascadia Code SemiBold" panose="020B0609020000020004" pitchFamily="49" charset="0"/>
+              </a:rPr>
+              <a:t>$ git diff &lt;branch 1&gt; &lt; branch 2&gt; </a:t>
+            </a:r>
+          </a:p>
+          <a:p>
+            <a:r>
+              <a:rPr lang="en-US" dirty="0">
+                <a:latin typeface="Cascadia Code SemiBold" panose="020B0609020000020004" pitchFamily="49" charset="0"/>
+                <a:ea typeface="Cascadia Code SemiBold" panose="020B0609020000020004" pitchFamily="49" charset="0"/>
+                <a:cs typeface="Cascadia Code SemiBold" panose="020B0609020000020004" pitchFamily="49" charset="0"/>
+              </a:rPr>
+              <a:t> </a:t>
+            </a:r>
+          </a:p>
+          <a:p>
+            <a:r>
+              <a:rPr lang="en-US" dirty="0">
+                <a:latin typeface="Cascadia Code SemiBold" panose="020B0609020000020004" pitchFamily="49" charset="0"/>
+                <a:ea typeface="Cascadia Code SemiBold" panose="020B0609020000020004" pitchFamily="49" charset="0"/>
+                <a:cs typeface="Cascadia Code SemiBold" panose="020B0609020000020004" pitchFamily="49" charset="0"/>
+              </a:rPr>
+              <a:t>The above command will display the differences between branch 1 and branch 2. </a:t>
+            </a:r>
+            <a:endParaRPr lang="en-IN" dirty="0">
+              <a:latin typeface="Cascadia Code SemiBold" panose="020B0609020000020004" pitchFamily="49" charset="0"/>
+              <a:ea typeface="Cascadia Code SemiBold" panose="020B0609020000020004" pitchFamily="49" charset="0"/>
+              <a:cs typeface="Cascadia Code SemiBold" panose="020B0609020000020004" pitchFamily="49" charset="0"/>
+            </a:endParaRPr>
+          </a:p>
+        </p:txBody>
+      </p:sp>
       <p:pic>
         <p:nvPicPr>
-          <p:cNvPr id="3" name="Picture 2">
+          <p:cNvPr id="10" name="Picture 9">
             <a:extLst>
               <a:ext uri="{FF2B5EF4-FFF2-40B4-BE49-F238E27FC236}">
-                <a16:creationId xmlns:a16="http://schemas.microsoft.com/office/drawing/2014/main" id="{6257585B-D53E-7527-DC78-DC435D827122}"/>
+                <a16:creationId xmlns:a16="http://schemas.microsoft.com/office/drawing/2014/main" id="{345B39F4-8A52-3A36-6302-50D97C1854FD}"/>
               </a:ext>
             </a:extLst>
           </p:cNvPr>
@@ -5585,176 +5683,14 @@
         </p:blipFill>
         <p:spPr>
           <a:xfrm>
-            <a:off x="7925868" y="3695220"/>
-            <a:ext cx="2654436" cy="3048157"/>
+            <a:off x="4960524" y="930175"/>
+            <a:ext cx="5877522" cy="4018305"/>
           </a:xfrm>
           <a:prstGeom prst="rect">
             <a:avLst/>
           </a:prstGeom>
         </p:spPr>
       </p:pic>
-      <p:pic>
-        <p:nvPicPr>
-          <p:cNvPr id="7" name="Picture 6">
-            <a:extLst>
-              <a:ext uri="{FF2B5EF4-FFF2-40B4-BE49-F238E27FC236}">
-                <a16:creationId xmlns:a16="http://schemas.microsoft.com/office/drawing/2014/main" id="{08AAE012-094A-D190-1623-DF32E8BB85EC}"/>
-              </a:ext>
-            </a:extLst>
-          </p:cNvPr>
-          <p:cNvPicPr>
-            <a:picLocks noChangeAspect="1"/>
-          </p:cNvPicPr>
-          <p:nvPr/>
-        </p:nvPicPr>
-        <p:blipFill>
-          <a:blip r:embed="rId3"/>
-          <a:stretch>
-            <a:fillRect/>
-          </a:stretch>
-        </p:blipFill>
-        <p:spPr>
-          <a:xfrm>
-            <a:off x="7400768" y="423617"/>
-            <a:ext cx="3473629" cy="3149762"/>
-          </a:xfrm>
-          <a:prstGeom prst="rect">
-            <a:avLst/>
-          </a:prstGeom>
-        </p:spPr>
-      </p:pic>
-      <p:sp>
-        <p:nvSpPr>
-          <p:cNvPr id="8" name="TextBox 7">
-            <a:extLst>
-              <a:ext uri="{FF2B5EF4-FFF2-40B4-BE49-F238E27FC236}">
-                <a16:creationId xmlns:a16="http://schemas.microsoft.com/office/drawing/2014/main" id="{631A05E3-9DC6-FAA3-F15D-64C7BBD5AC51}"/>
-              </a:ext>
-            </a:extLst>
-          </p:cNvPr>
-          <p:cNvSpPr txBox="1"/>
-          <p:nvPr/>
-        </p:nvSpPr>
-        <p:spPr>
-          <a:xfrm>
-            <a:off x="452387" y="423617"/>
-            <a:ext cx="6362299" cy="5632311"/>
-          </a:xfrm>
-          <a:prstGeom prst="rect">
-            <a:avLst/>
-          </a:prstGeom>
-          <a:noFill/>
-        </p:spPr>
-        <p:txBody>
-          <a:bodyPr wrap="square" rtlCol="0">
-            <a:spAutoFit/>
-          </a:bodyPr>
-          <a:lstStyle/>
-          <a:p>
-            <a:r>
-              <a:rPr lang="en-US" dirty="0">
-                <a:latin typeface="Cascadia Code SemiBold" panose="020B0609020000020004" pitchFamily="49" charset="0"/>
-                <a:ea typeface="Cascadia Code SemiBold" panose="020B0609020000020004" pitchFamily="49" charset="0"/>
-                <a:cs typeface="Cascadia Code SemiBold" panose="020B0609020000020004" pitchFamily="49" charset="0"/>
-              </a:rPr>
-              <a:t>The git diff command is a widely used tool to track the changes.</a:t>
-            </a:r>
-          </a:p>
-          <a:p>
-            <a:endParaRPr lang="en-US" dirty="0">
-              <a:latin typeface="Cascadia Code SemiBold" panose="020B0609020000020004" pitchFamily="49" charset="0"/>
-              <a:ea typeface="Cascadia Code SemiBold" panose="020B0609020000020004" pitchFamily="49" charset="0"/>
-              <a:cs typeface="Cascadia Code SemiBold" panose="020B0609020000020004" pitchFamily="49" charset="0"/>
-            </a:endParaRPr>
-          </a:p>
-          <a:p>
-            <a:r>
-              <a:rPr lang="en-US" dirty="0">
-                <a:latin typeface="Cascadia Code SemiBold" panose="020B0609020000020004" pitchFamily="49" charset="0"/>
-                <a:ea typeface="Cascadia Code SemiBold" panose="020B0609020000020004" pitchFamily="49" charset="0"/>
-                <a:cs typeface="Cascadia Code SemiBold" panose="020B0609020000020004" pitchFamily="49" charset="0"/>
-              </a:rPr>
-              <a:t>The git diff command allows us to compare different versions of branches and repositories. To get the difference between branches, run the git diff command as follows:</a:t>
-            </a:r>
-          </a:p>
-          <a:p>
-            <a:endParaRPr lang="en-US" dirty="0">
-              <a:latin typeface="Cascadia Code SemiBold" panose="020B0609020000020004" pitchFamily="49" charset="0"/>
-              <a:ea typeface="Cascadia Code SemiBold" panose="020B0609020000020004" pitchFamily="49" charset="0"/>
-              <a:cs typeface="Cascadia Code SemiBold" panose="020B0609020000020004" pitchFamily="49" charset="0"/>
-            </a:endParaRPr>
-          </a:p>
-          <a:p>
-            <a:r>
-              <a:rPr lang="en-US" dirty="0">
-                <a:latin typeface="Cascadia Code SemiBold" panose="020B0609020000020004" pitchFamily="49" charset="0"/>
-                <a:ea typeface="Cascadia Code SemiBold" panose="020B0609020000020004" pitchFamily="49" charset="0"/>
-                <a:cs typeface="Cascadia Code SemiBold" panose="020B0609020000020004" pitchFamily="49" charset="0"/>
-              </a:rPr>
-              <a:t>$ git diff &lt;branch 1&gt; &lt; branch 2&gt; </a:t>
-            </a:r>
-          </a:p>
-          <a:p>
-            <a:r>
-              <a:rPr lang="en-US" dirty="0">
-                <a:latin typeface="Cascadia Code SemiBold" panose="020B0609020000020004" pitchFamily="49" charset="0"/>
-                <a:ea typeface="Cascadia Code SemiBold" panose="020B0609020000020004" pitchFamily="49" charset="0"/>
-                <a:cs typeface="Cascadia Code SemiBold" panose="020B0609020000020004" pitchFamily="49" charset="0"/>
-              </a:rPr>
-              <a:t> </a:t>
-            </a:r>
-          </a:p>
-          <a:p>
-            <a:r>
-              <a:rPr lang="en-US" dirty="0">
-                <a:latin typeface="Cascadia Code SemiBold" panose="020B0609020000020004" pitchFamily="49" charset="0"/>
-                <a:ea typeface="Cascadia Code SemiBold" panose="020B0609020000020004" pitchFamily="49" charset="0"/>
-                <a:cs typeface="Cascadia Code SemiBold" panose="020B0609020000020004" pitchFamily="49" charset="0"/>
-              </a:rPr>
-              <a:t>The above command will display the differences between branch 1 and branch 2. So that you can decide whether you want to merge the branch or not.</a:t>
-            </a:r>
-          </a:p>
-          <a:p>
-            <a:endParaRPr lang="en-US" dirty="0">
-              <a:latin typeface="Cascadia Code SemiBold" panose="020B0609020000020004" pitchFamily="49" charset="0"/>
-              <a:ea typeface="Cascadia Code SemiBold" panose="020B0609020000020004" pitchFamily="49" charset="0"/>
-              <a:cs typeface="Cascadia Code SemiBold" panose="020B0609020000020004" pitchFamily="49" charset="0"/>
-            </a:endParaRPr>
-          </a:p>
-          <a:p>
-            <a:r>
-              <a:rPr lang="en-US" dirty="0">
-                <a:latin typeface="Cascadia Code SemiBold" panose="020B0609020000020004" pitchFamily="49" charset="0"/>
-                <a:ea typeface="Cascadia Code SemiBold" panose="020B0609020000020004" pitchFamily="49" charset="0"/>
-                <a:cs typeface="Cascadia Code SemiBold" panose="020B0609020000020004" pitchFamily="49" charset="0"/>
-              </a:rPr>
-              <a:t>Sometimes, you might want to compare how a certain file differs in two branches. You can do this simply by adding the file's path:</a:t>
-            </a:r>
-          </a:p>
-          <a:p>
-            <a:endParaRPr lang="en-US" dirty="0">
-              <a:latin typeface="Cascadia Code SemiBold" panose="020B0609020000020004" pitchFamily="49" charset="0"/>
-              <a:ea typeface="Cascadia Code SemiBold" panose="020B0609020000020004" pitchFamily="49" charset="0"/>
-              <a:cs typeface="Cascadia Code SemiBold" panose="020B0609020000020004" pitchFamily="49" charset="0"/>
-            </a:endParaRPr>
-          </a:p>
-          <a:p>
-            <a:r>
-              <a:rPr lang="en-US" dirty="0">
-                <a:latin typeface="Cascadia Code SemiBold" panose="020B0609020000020004" pitchFamily="49" charset="0"/>
-                <a:ea typeface="Cascadia Code SemiBold" panose="020B0609020000020004" pitchFamily="49" charset="0"/>
-                <a:cs typeface="Cascadia Code SemiBold" panose="020B0609020000020004" pitchFamily="49" charset="0"/>
-              </a:rPr>
-              <a:t>$ git diff main feature/login index.html</a:t>
-            </a:r>
-            <a:endParaRPr lang="en-IN" dirty="0">
-              <a:latin typeface="Cascadia Code SemiBold" panose="020B0609020000020004" pitchFamily="49" charset="0"/>
-              <a:ea typeface="Cascadia Code SemiBold" panose="020B0609020000020004" pitchFamily="49" charset="0"/>
-              <a:cs typeface="Cascadia Code SemiBold" panose="020B0609020000020004" pitchFamily="49" charset="0"/>
-            </a:endParaRPr>
-          </a:p>
-        </p:txBody>
-      </p:sp>
     </p:spTree>
     <p:extLst>
       <p:ext uri="{BB962C8B-B14F-4D97-AF65-F5344CB8AC3E}">
@@ -5855,8 +5791,32 @@
                 <a:cs typeface="Cascadia Code SemiBold" panose="020B0609020000020004" pitchFamily="49" charset="0"/>
               </a:rPr>
             </a:br>
+            <a:r>
+              <a:rPr lang="en-US" sz="2000" dirty="0">
+                <a:latin typeface="Cascadia Code SemiBold" panose="020B0609020000020004" pitchFamily="49" charset="0"/>
+                <a:ea typeface="Cascadia Code SemiBold" panose="020B0609020000020004" pitchFamily="49" charset="0"/>
+                <a:cs typeface="Cascadia Code SemiBold" panose="020B0609020000020004" pitchFamily="49" charset="0"/>
+              </a:rPr>
+              <a:t>The git switch allows us to change the timeline, </a:t>
+            </a:r>
+            <a:r>
+              <a:rPr lang="en-US" sz="2000" dirty="0" err="1">
+                <a:latin typeface="Cascadia Code SemiBold" panose="020B0609020000020004" pitchFamily="49" charset="0"/>
+                <a:ea typeface="Cascadia Code SemiBold" panose="020B0609020000020004" pitchFamily="49" charset="0"/>
+                <a:cs typeface="Cascadia Code SemiBold" panose="020B0609020000020004" pitchFamily="49" charset="0"/>
+              </a:rPr>
+              <a:t>i.e</a:t>
+            </a:r>
+            <a:r>
+              <a:rPr lang="en-US" sz="2000" dirty="0">
+                <a:latin typeface="Cascadia Code SemiBold" panose="020B0609020000020004" pitchFamily="49" charset="0"/>
+                <a:ea typeface="Cascadia Code SemiBold" panose="020B0609020000020004" pitchFamily="49" charset="0"/>
+                <a:cs typeface="Cascadia Code SemiBold" panose="020B0609020000020004" pitchFamily="49" charset="0"/>
+              </a:rPr>
+              <a:t> the branches in git.</a:t>
+            </a:r>
             <a:br>
-              <a:rPr lang="en-IN" dirty="0">
+              <a:rPr lang="en-US" sz="2000" dirty="0">
                 <a:latin typeface="Cascadia Code SemiBold" panose="020B0609020000020004" pitchFamily="49" charset="0"/>
                 <a:ea typeface="Cascadia Code SemiBold" panose="020B0609020000020004" pitchFamily="49" charset="0"/>
                 <a:cs typeface="Cascadia Code SemiBold" panose="020B0609020000020004" pitchFamily="49" charset="0"/>
@@ -5868,7 +5828,7 @@
                 <a:ea typeface="Cascadia Code SemiBold" panose="020B0609020000020004" pitchFamily="49" charset="0"/>
                 <a:cs typeface="Cascadia Code SemiBold" panose="020B0609020000020004" pitchFamily="49" charset="0"/>
               </a:rPr>
-              <a:t>The git checkout command allows you to switch branches by updating the files in your working tree to match the version stored in the branch that you wish to switch to</a:t>
+              <a:t>It is different from git checkout since git checkout is used to change branches and also to revert local changes</a:t>
             </a:r>
             <a:endParaRPr lang="en-IN" sz="2000" dirty="0">
               <a:latin typeface="Cascadia Code SemiBold" panose="020B0609020000020004" pitchFamily="49" charset="0"/>
@@ -5912,7 +5872,7 @@
                 <a:ea typeface="Cascadia Code SemiBold" panose="020B0609020000020004" pitchFamily="49" charset="0"/>
                 <a:cs typeface="Cascadia Code SemiBold" panose="020B0609020000020004" pitchFamily="49" charset="0"/>
               </a:rPr>
-              <a:t>Switch to a specified branch. The working tree and the index are updated to match the branch. All new commits will be added to the tip of this branch.</a:t>
+              <a:t>It Switches to a specified branch. The working tree and the index are updated to match the branch. All new commits will be added to the tip of this branch.</a:t>
             </a:r>
             <a:endParaRPr lang="en-IN" dirty="0">
               <a:latin typeface="Cascadia Code SemiBold" panose="020B0609020000020004" pitchFamily="49" charset="0"/>
@@ -5995,8 +5955,8 @@
         </p:nvSpPr>
         <p:spPr>
           <a:xfrm>
-            <a:off x="125128" y="151179"/>
-            <a:ext cx="6063916" cy="6694140"/>
+            <a:off x="125127" y="151179"/>
+            <a:ext cx="4254367" cy="5078313"/>
           </a:xfrm>
           <a:prstGeom prst="rect">
             <a:avLst/>
@@ -6010,7 +5970,7 @@
           <a:lstStyle/>
           <a:p>
             <a:r>
-              <a:rPr lang="en-US" sz="1300" dirty="0">
+              <a:rPr lang="en-US" dirty="0">
                 <a:latin typeface="Cascadia Code SemiBold" panose="020B0609020000020004" pitchFamily="49" charset="0"/>
                 <a:ea typeface="Cascadia Code SemiBold" panose="020B0609020000020004" pitchFamily="49" charset="0"/>
                 <a:cs typeface="Cascadia Code SemiBold" panose="020B0609020000020004" pitchFamily="49" charset="0"/>
@@ -6019,7 +5979,7 @@
             </a:r>
           </a:p>
           <a:p>
-            <a:endParaRPr lang="en-US" sz="1300" dirty="0">
+            <a:endParaRPr lang="en-US" dirty="0">
               <a:latin typeface="Cascadia Code SemiBold" panose="020B0609020000020004" pitchFamily="49" charset="0"/>
               <a:ea typeface="Cascadia Code SemiBold" panose="020B0609020000020004" pitchFamily="49" charset="0"/>
               <a:cs typeface="Cascadia Code SemiBold" panose="020B0609020000020004" pitchFamily="49" charset="0"/>
@@ -6027,7 +5987,7 @@
           </a:p>
           <a:p>
             <a:r>
-              <a:rPr lang="en-US" sz="1300" dirty="0">
+              <a:rPr lang="en-US" dirty="0">
                 <a:latin typeface="Cascadia Code SemiBold" panose="020B0609020000020004" pitchFamily="49" charset="0"/>
                 <a:ea typeface="Cascadia Code SemiBold" panose="020B0609020000020004" pitchFamily="49" charset="0"/>
                 <a:cs typeface="Cascadia Code SemiBold" panose="020B0609020000020004" pitchFamily="49" charset="0"/>
@@ -6037,7 +5997,7 @@
           </a:p>
           <a:p>
             <a:r>
-              <a:rPr lang="en-US" sz="1300" dirty="0">
+              <a:rPr lang="en-US" dirty="0">
                 <a:latin typeface="Cascadia Code SemiBold" panose="020B0609020000020004" pitchFamily="49" charset="0"/>
                 <a:ea typeface="Cascadia Code SemiBold" panose="020B0609020000020004" pitchFamily="49" charset="0"/>
                 <a:cs typeface="Cascadia Code SemiBold" panose="020B0609020000020004" pitchFamily="49" charset="0"/>
@@ -6046,7 +6006,7 @@
             </a:r>
           </a:p>
           <a:p>
-            <a:endParaRPr lang="en-US" sz="1300" dirty="0">
+            <a:endParaRPr lang="en-US" dirty="0">
               <a:latin typeface="Cascadia Code SemiBold" panose="020B0609020000020004" pitchFamily="49" charset="0"/>
               <a:ea typeface="Cascadia Code SemiBold" panose="020B0609020000020004" pitchFamily="49" charset="0"/>
               <a:cs typeface="Cascadia Code SemiBold" panose="020B0609020000020004" pitchFamily="49" charset="0"/>
@@ -6054,7 +6014,7 @@
           </a:p>
           <a:p>
             <a:r>
-              <a:rPr lang="en-US" sz="1300" dirty="0">
+              <a:rPr lang="en-US" dirty="0">
                 <a:latin typeface="Cascadia Code SemiBold" panose="020B0609020000020004" pitchFamily="49" charset="0"/>
                 <a:ea typeface="Cascadia Code SemiBold" panose="020B0609020000020004" pitchFamily="49" charset="0"/>
                 <a:cs typeface="Cascadia Code SemiBold" panose="020B0609020000020004" pitchFamily="49" charset="0"/>
@@ -6064,106 +6024,13 @@
           </a:p>
           <a:p>
             <a:r>
-              <a:rPr lang="en-US" sz="1300" dirty="0">
-                <a:latin typeface="Cascadia Code SemiBold" panose="020B0609020000020004" pitchFamily="49" charset="0"/>
-                <a:ea typeface="Cascadia Code SemiBold" panose="020B0609020000020004" pitchFamily="49" charset="0"/>
-                <a:cs typeface="Cascadia Code SemiBold" panose="020B0609020000020004" pitchFamily="49" charset="0"/>
-              </a:rPr>
-              <a:t>If you want to check out a remote branch (that doesn't yet exist as a local branch in your local repository), you can simply provide the remote branch's name. When Git cannot find the specified name as a local branch, it will assume you want to check out the respective remote branch of that name:</a:t>
-            </a:r>
-          </a:p>
-          <a:p>
-            <a:endParaRPr lang="en-US" sz="1300" dirty="0">
-              <a:latin typeface="Cascadia Code SemiBold" panose="020B0609020000020004" pitchFamily="49" charset="0"/>
-              <a:ea typeface="Cascadia Code SemiBold" panose="020B0609020000020004" pitchFamily="49" charset="0"/>
-              <a:cs typeface="Cascadia Code SemiBold" panose="020B0609020000020004" pitchFamily="49" charset="0"/>
-            </a:endParaRPr>
-          </a:p>
-          <a:p>
-            <a:r>
-              <a:rPr lang="en-US" sz="1300" dirty="0">
-                <a:latin typeface="Cascadia Code SemiBold" panose="020B0609020000020004" pitchFamily="49" charset="0"/>
-                <a:ea typeface="Cascadia Code SemiBold" panose="020B0609020000020004" pitchFamily="49" charset="0"/>
-                <a:cs typeface="Cascadia Code SemiBold" panose="020B0609020000020004" pitchFamily="49" charset="0"/>
-              </a:rPr>
-              <a:t>$ git switch remote-branch</a:t>
-            </a:r>
-          </a:p>
-          <a:p>
-            <a:r>
-              <a:rPr lang="en-US" sz="1300" dirty="0">
-                <a:latin typeface="Cascadia Code SemiBold" panose="020B0609020000020004" pitchFamily="49" charset="0"/>
-                <a:ea typeface="Cascadia Code SemiBold" panose="020B0609020000020004" pitchFamily="49" charset="0"/>
-                <a:cs typeface="Cascadia Code SemiBold" panose="020B0609020000020004" pitchFamily="49" charset="0"/>
-              </a:rPr>
-              <a:t>This will not only create a local branch but also set up a "tracking relationship" between the two branches, making sure that pulling and pushing will be as easy as "git pull" and "git push".</a:t>
-            </a:r>
-          </a:p>
-          <a:p>
-            <a:endParaRPr lang="en-US" sz="1300" dirty="0">
-              <a:latin typeface="Cascadia Code SemiBold" panose="020B0609020000020004" pitchFamily="49" charset="0"/>
-              <a:ea typeface="Cascadia Code SemiBold" panose="020B0609020000020004" pitchFamily="49" charset="0"/>
-              <a:cs typeface="Cascadia Code SemiBold" panose="020B0609020000020004" pitchFamily="49" charset="0"/>
-            </a:endParaRPr>
-          </a:p>
-          <a:p>
-            <a:r>
-              <a:rPr lang="en-US" sz="1300" dirty="0">
-                <a:latin typeface="Cascadia Code SemiBold" panose="020B0609020000020004" pitchFamily="49" charset="0"/>
-                <a:ea typeface="Cascadia Code SemiBold" panose="020B0609020000020004" pitchFamily="49" charset="0"/>
-                <a:cs typeface="Cascadia Code SemiBold" panose="020B0609020000020004" pitchFamily="49" charset="0"/>
-              </a:rPr>
-              <a:t>If you have local modifications that would conflict with the branch you want to switch to, you can instruct Git to clear your working copy of any local changes</a:t>
-            </a:r>
-          </a:p>
-          <a:p>
-            <a:endParaRPr lang="en-US" sz="1300" dirty="0">
-              <a:latin typeface="Cascadia Code SemiBold" panose="020B0609020000020004" pitchFamily="49" charset="0"/>
-              <a:ea typeface="Cascadia Code SemiBold" panose="020B0609020000020004" pitchFamily="49" charset="0"/>
-              <a:cs typeface="Cascadia Code SemiBold" panose="020B0609020000020004" pitchFamily="49" charset="0"/>
-            </a:endParaRPr>
-          </a:p>
-          <a:p>
-            <a:r>
-              <a:rPr lang="en-US" sz="1300" dirty="0">
-                <a:latin typeface="Cascadia Code SemiBold" panose="020B0609020000020004" pitchFamily="49" charset="0"/>
-                <a:ea typeface="Cascadia Code SemiBold" panose="020B0609020000020004" pitchFamily="49" charset="0"/>
-                <a:cs typeface="Cascadia Code SemiBold" panose="020B0609020000020004" pitchFamily="49" charset="0"/>
-              </a:rPr>
-              <a:t>$ git switch other-branch --discard-changes</a:t>
-            </a:r>
-          </a:p>
-          <a:p>
-            <a:r>
-              <a:rPr lang="en-US" sz="1300" dirty="0">
-                <a:latin typeface="Cascadia Code SemiBold" panose="020B0609020000020004" pitchFamily="49" charset="0"/>
-                <a:ea typeface="Cascadia Code SemiBold" panose="020B0609020000020004" pitchFamily="49" charset="0"/>
-                <a:cs typeface="Cascadia Code SemiBold" panose="020B0609020000020004" pitchFamily="49" charset="0"/>
-              </a:rPr>
-              <a:t>Finally, if you want to switch back to the previously checked out branch, you can simply do this by specifying only the "-" character:</a:t>
-            </a:r>
-          </a:p>
-          <a:p>
-            <a:endParaRPr lang="en-US" sz="1300" dirty="0">
-              <a:latin typeface="Cascadia Code SemiBold" panose="020B0609020000020004" pitchFamily="49" charset="0"/>
-              <a:ea typeface="Cascadia Code SemiBold" panose="020B0609020000020004" pitchFamily="49" charset="0"/>
-              <a:cs typeface="Cascadia Code SemiBold" panose="020B0609020000020004" pitchFamily="49" charset="0"/>
-            </a:endParaRPr>
-          </a:p>
-          <a:p>
-            <a:r>
-              <a:rPr lang="en-US" sz="1300" dirty="0">
-                <a:latin typeface="Cascadia Code SemiBold" panose="020B0609020000020004" pitchFamily="49" charset="0"/>
-                <a:ea typeface="Cascadia Code SemiBold" panose="020B0609020000020004" pitchFamily="49" charset="0"/>
-                <a:cs typeface="Cascadia Code SemiBold" panose="020B0609020000020004" pitchFamily="49" charset="0"/>
-              </a:rPr>
-              <a:t>$ git switch -</a:t>
-            </a:r>
-            <a:endParaRPr lang="en-IN" sz="1300" dirty="0">
-              <a:latin typeface="Cascadia Code SemiBold" panose="020B0609020000020004" pitchFamily="49" charset="0"/>
-              <a:ea typeface="Cascadia Code SemiBold" panose="020B0609020000020004" pitchFamily="49" charset="0"/>
-              <a:cs typeface="Cascadia Code SemiBold" panose="020B0609020000020004" pitchFamily="49" charset="0"/>
-            </a:endParaRPr>
+              <a:rPr lang="en-US" dirty="0">
+                <a:latin typeface="Cascadia Code SemiBold" panose="020B0609020000020004" pitchFamily="49" charset="0"/>
+                <a:ea typeface="Cascadia Code SemiBold" panose="020B0609020000020004" pitchFamily="49" charset="0"/>
+                <a:cs typeface="Cascadia Code SemiBold" panose="020B0609020000020004" pitchFamily="49" charset="0"/>
+              </a:rPr>
+              <a:t>If you want to check out a remote branch (that doesn't yet exist as a local branch in your local repository), you can simply provide the remote branch's name. </a:t>
+            </a:r>
           </a:p>
         </p:txBody>
       </p:sp>
@@ -6235,7 +6102,7 @@
         </p:blipFill>
         <p:spPr>
           <a:xfrm>
-            <a:off x="6189044" y="1926267"/>
+            <a:off x="5149516" y="2559530"/>
             <a:ext cx="5874052" cy="3448227"/>
           </a:xfrm>
           <a:prstGeom prst="rect">
@@ -6470,7 +6337,7 @@
         </p:blipFill>
         <p:spPr>
           <a:xfrm>
-            <a:off x="5927550" y="4533499"/>
+            <a:off x="1220796" y="4091818"/>
             <a:ext cx="4657940" cy="1909535"/>
           </a:xfrm>
           <a:prstGeom prst="rect">
@@ -6478,287 +6345,12 @@
           </a:prstGeom>
         </p:spPr>
       </p:pic>
-      <p:sp>
-        <p:nvSpPr>
-          <p:cNvPr id="4" name="TextBox 3">
+      <p:pic>
+        <p:nvPicPr>
+          <p:cNvPr id="9" name="Picture 8">
             <a:extLst>
               <a:ext uri="{FF2B5EF4-FFF2-40B4-BE49-F238E27FC236}">
-                <a16:creationId xmlns:a16="http://schemas.microsoft.com/office/drawing/2014/main" id="{55ACC7A7-19B8-8D29-270C-56140D71512E}"/>
-              </a:ext>
-            </a:extLst>
-          </p:cNvPr>
-          <p:cNvSpPr txBox="1"/>
-          <p:nvPr/>
-        </p:nvSpPr>
-        <p:spPr>
-          <a:xfrm>
-            <a:off x="5359676" y="-105878"/>
-            <a:ext cx="6392770" cy="2739211"/>
-          </a:xfrm>
-          <a:prstGeom prst="rect">
-            <a:avLst/>
-          </a:prstGeom>
-          <a:noFill/>
-        </p:spPr>
-        <p:txBody>
-          <a:bodyPr wrap="square" rtlCol="0">
-            <a:spAutoFit/>
-          </a:bodyPr>
-          <a:lstStyle/>
-          <a:p>
-            <a:endParaRPr lang="en-US" dirty="0"/>
-          </a:p>
-          <a:p>
-            <a:r>
-              <a:rPr lang="en-US" sz="1400" dirty="0">
-                <a:latin typeface="Cascadia Code SemiBold" panose="020B0609020000020004" pitchFamily="49" charset="0"/>
-                <a:ea typeface="Cascadia Code SemiBold" panose="020B0609020000020004" pitchFamily="49" charset="0"/>
-                <a:cs typeface="Cascadia Code SemiBold" panose="020B0609020000020004" pitchFamily="49" charset="0"/>
-              </a:rPr>
-              <a:t>Suppose that we have a branch say test2 on which you are working. You are now on the test2 branch and made some changes in the project's file newfile1.txt.</a:t>
-            </a:r>
-          </a:p>
-          <a:p>
-            <a:endParaRPr lang="en-US" sz="1400" dirty="0">
-              <a:latin typeface="Cascadia Code SemiBold" panose="020B0609020000020004" pitchFamily="49" charset="0"/>
-              <a:ea typeface="Cascadia Code SemiBold" panose="020B0609020000020004" pitchFamily="49" charset="0"/>
-              <a:cs typeface="Cascadia Code SemiBold" panose="020B0609020000020004" pitchFamily="49" charset="0"/>
-            </a:endParaRPr>
-          </a:p>
-          <a:p>
-            <a:r>
-              <a:rPr lang="en-US" sz="1400" dirty="0">
-                <a:latin typeface="Cascadia Code SemiBold" panose="020B0609020000020004" pitchFamily="49" charset="0"/>
-                <a:ea typeface="Cascadia Code SemiBold" panose="020B0609020000020004" pitchFamily="49" charset="0"/>
-                <a:cs typeface="Cascadia Code SemiBold" panose="020B0609020000020004" pitchFamily="49" charset="0"/>
-              </a:rPr>
-              <a:t>Add this file to the repository:</a:t>
-            </a:r>
-          </a:p>
-          <a:p>
-            <a:endParaRPr lang="en-US" sz="1400" dirty="0">
-              <a:latin typeface="Cascadia Code SemiBold" panose="020B0609020000020004" pitchFamily="49" charset="0"/>
-              <a:ea typeface="Cascadia Code SemiBold" panose="020B0609020000020004" pitchFamily="49" charset="0"/>
-              <a:cs typeface="Cascadia Code SemiBold" panose="020B0609020000020004" pitchFamily="49" charset="0"/>
-            </a:endParaRPr>
-          </a:p>
-          <a:p>
-            <a:r>
-              <a:rPr lang="en-US" sz="1400" dirty="0">
-                <a:latin typeface="Cascadia Code SemiBold" panose="020B0609020000020004" pitchFamily="49" charset="0"/>
-                <a:ea typeface="Cascadia Code SemiBold" panose="020B0609020000020004" pitchFamily="49" charset="0"/>
-                <a:cs typeface="Cascadia Code SemiBold" panose="020B0609020000020004" pitchFamily="49" charset="0"/>
-              </a:rPr>
-              <a:t>$ git add newfile1.txt  </a:t>
-            </a:r>
-          </a:p>
-          <a:p>
-            <a:r>
-              <a:rPr lang="en-US" sz="1400" dirty="0">
-                <a:latin typeface="Cascadia Code SemiBold" panose="020B0609020000020004" pitchFamily="49" charset="0"/>
-                <a:ea typeface="Cascadia Code SemiBold" panose="020B0609020000020004" pitchFamily="49" charset="0"/>
-                <a:cs typeface="Cascadia Code SemiBold" panose="020B0609020000020004" pitchFamily="49" charset="0"/>
-              </a:rPr>
-              <a:t>Now, commit the changes. Use the below command:</a:t>
-            </a:r>
-          </a:p>
-          <a:p>
-            <a:endParaRPr lang="en-US" sz="1400" dirty="0">
-              <a:latin typeface="Cascadia Code SemiBold" panose="020B0609020000020004" pitchFamily="49" charset="0"/>
-              <a:ea typeface="Cascadia Code SemiBold" panose="020B0609020000020004" pitchFamily="49" charset="0"/>
-              <a:cs typeface="Cascadia Code SemiBold" panose="020B0609020000020004" pitchFamily="49" charset="0"/>
-            </a:endParaRPr>
-          </a:p>
-          <a:p>
-            <a:r>
-              <a:rPr lang="en-US" sz="1400" dirty="0">
-                <a:latin typeface="Cascadia Code SemiBold" panose="020B0609020000020004" pitchFamily="49" charset="0"/>
-                <a:ea typeface="Cascadia Code SemiBold" panose="020B0609020000020004" pitchFamily="49" charset="0"/>
-                <a:cs typeface="Cascadia Code SemiBold" panose="020B0609020000020004" pitchFamily="49" charset="0"/>
-              </a:rPr>
-              <a:t>$ git commit -m "new commit for test2 branch."  </a:t>
-            </a:r>
-          </a:p>
-          <a:p>
-            <a:r>
-              <a:rPr lang="en-US" sz="1400" dirty="0">
-                <a:latin typeface="Cascadia Code SemiBold" panose="020B0609020000020004" pitchFamily="49" charset="0"/>
-                <a:ea typeface="Cascadia Code SemiBold" panose="020B0609020000020004" pitchFamily="49" charset="0"/>
-                <a:cs typeface="Cascadia Code SemiBold" panose="020B0609020000020004" pitchFamily="49" charset="0"/>
-              </a:rPr>
-              <a:t>The output will look like</a:t>
-            </a:r>
-            <a:endParaRPr lang="en-IN" sz="1400" dirty="0">
-              <a:latin typeface="Cascadia Code SemiBold" panose="020B0609020000020004" pitchFamily="49" charset="0"/>
-              <a:ea typeface="Cascadia Code SemiBold" panose="020B0609020000020004" pitchFamily="49" charset="0"/>
-              <a:cs typeface="Cascadia Code SemiBold" panose="020B0609020000020004" pitchFamily="49" charset="0"/>
-            </a:endParaRPr>
-          </a:p>
-        </p:txBody>
-      </p:sp>
-      <p:sp>
-        <p:nvSpPr>
-          <p:cNvPr id="5" name="TextBox 4">
-            <a:extLst>
-              <a:ext uri="{FF2B5EF4-FFF2-40B4-BE49-F238E27FC236}">
-                <a16:creationId xmlns:a16="http://schemas.microsoft.com/office/drawing/2014/main" id="{2AE0ECCC-0A90-98A0-08A0-2CD18D0B6F48}"/>
-              </a:ext>
-            </a:extLst>
-          </p:cNvPr>
-          <p:cNvSpPr txBox="1"/>
-          <p:nvPr/>
-        </p:nvSpPr>
-        <p:spPr>
-          <a:xfrm flipH="1">
-            <a:off x="0" y="0"/>
-            <a:ext cx="5359675" cy="6001643"/>
-          </a:xfrm>
-          <a:prstGeom prst="rect">
-            <a:avLst/>
-          </a:prstGeom>
-          <a:noFill/>
-        </p:spPr>
-        <p:txBody>
-          <a:bodyPr wrap="square" rtlCol="0">
-            <a:spAutoFit/>
-          </a:bodyPr>
-          <a:lstStyle/>
-          <a:p>
-            <a:r>
-              <a:rPr lang="en-US" sz="1600" dirty="0">
-                <a:latin typeface="Cascadia Code SemiBold" panose="020B0609020000020004" pitchFamily="49" charset="0"/>
-                <a:ea typeface="Cascadia Code SemiBold" panose="020B0609020000020004" pitchFamily="49" charset="0"/>
-                <a:cs typeface="Cascadia Code SemiBold" panose="020B0609020000020004" pitchFamily="49" charset="0"/>
-              </a:rPr>
-              <a:t>When you made some commits on a feature branch (test branch) and some in the master branch. You can rebase any of these branches.</a:t>
-            </a:r>
-          </a:p>
-          <a:p>
-            <a:r>
-              <a:rPr lang="en-US" sz="1600" dirty="0">
-                <a:latin typeface="Cascadia Code SemiBold" panose="020B0609020000020004" pitchFamily="49" charset="0"/>
-                <a:ea typeface="Cascadia Code SemiBold" panose="020B0609020000020004" pitchFamily="49" charset="0"/>
-                <a:cs typeface="Cascadia Code SemiBold" panose="020B0609020000020004" pitchFamily="49" charset="0"/>
-              </a:rPr>
-              <a:t>Syntax:</a:t>
-            </a:r>
-          </a:p>
-          <a:p>
-            <a:endParaRPr lang="en-US" sz="1600" dirty="0">
-              <a:latin typeface="Cascadia Code SemiBold" panose="020B0609020000020004" pitchFamily="49" charset="0"/>
-              <a:ea typeface="Cascadia Code SemiBold" panose="020B0609020000020004" pitchFamily="49" charset="0"/>
-              <a:cs typeface="Cascadia Code SemiBold" panose="020B0609020000020004" pitchFamily="49" charset="0"/>
-            </a:endParaRPr>
-          </a:p>
-          <a:p>
-            <a:r>
-              <a:rPr lang="en-US" sz="1600" dirty="0">
-                <a:latin typeface="Cascadia Code SemiBold" panose="020B0609020000020004" pitchFamily="49" charset="0"/>
-                <a:ea typeface="Cascadia Code SemiBold" panose="020B0609020000020004" pitchFamily="49" charset="0"/>
-                <a:cs typeface="Cascadia Code SemiBold" panose="020B0609020000020004" pitchFamily="49" charset="0"/>
-              </a:rPr>
-              <a:t>$git rebase &lt;branch name&gt;  </a:t>
-            </a:r>
-          </a:p>
-          <a:p>
-            <a:r>
-              <a:rPr lang="en-US" sz="1600" dirty="0">
-                <a:latin typeface="Cascadia Code SemiBold" panose="020B0609020000020004" pitchFamily="49" charset="0"/>
-                <a:ea typeface="Cascadia Code SemiBold" panose="020B0609020000020004" pitchFamily="49" charset="0"/>
-                <a:cs typeface="Cascadia Code SemiBold" panose="020B0609020000020004" pitchFamily="49" charset="0"/>
-              </a:rPr>
-              <a:t>If there are some conflicts in the branch, resolve them, and perform below commands to continue changes:</a:t>
-            </a:r>
-          </a:p>
-          <a:p>
-            <a:endParaRPr lang="en-US" sz="1600" dirty="0">
-              <a:latin typeface="Cascadia Code SemiBold" panose="020B0609020000020004" pitchFamily="49" charset="0"/>
-              <a:ea typeface="Cascadia Code SemiBold" panose="020B0609020000020004" pitchFamily="49" charset="0"/>
-              <a:cs typeface="Cascadia Code SemiBold" panose="020B0609020000020004" pitchFamily="49" charset="0"/>
-            </a:endParaRPr>
-          </a:p>
-          <a:p>
-            <a:r>
-              <a:rPr lang="en-US" sz="1600" dirty="0">
-                <a:latin typeface="Cascadia Code SemiBold" panose="020B0609020000020004" pitchFamily="49" charset="0"/>
-                <a:ea typeface="Cascadia Code SemiBold" panose="020B0609020000020004" pitchFamily="49" charset="0"/>
-                <a:cs typeface="Cascadia Code SemiBold" panose="020B0609020000020004" pitchFamily="49" charset="0"/>
-              </a:rPr>
-              <a:t>$ git status  </a:t>
-            </a:r>
-          </a:p>
-          <a:p>
-            <a:r>
-              <a:rPr lang="en-US" sz="1600" dirty="0">
-                <a:latin typeface="Cascadia Code SemiBold" panose="020B0609020000020004" pitchFamily="49" charset="0"/>
-                <a:ea typeface="Cascadia Code SemiBold" panose="020B0609020000020004" pitchFamily="49" charset="0"/>
-                <a:cs typeface="Cascadia Code SemiBold" panose="020B0609020000020004" pitchFamily="49" charset="0"/>
-              </a:rPr>
-              <a:t>It is used to check the status,</a:t>
-            </a:r>
-          </a:p>
-          <a:p>
-            <a:endParaRPr lang="en-US" sz="1600" dirty="0">
-              <a:latin typeface="Cascadia Code SemiBold" panose="020B0609020000020004" pitchFamily="49" charset="0"/>
-              <a:ea typeface="Cascadia Code SemiBold" panose="020B0609020000020004" pitchFamily="49" charset="0"/>
-              <a:cs typeface="Cascadia Code SemiBold" panose="020B0609020000020004" pitchFamily="49" charset="0"/>
-            </a:endParaRPr>
-          </a:p>
-          <a:p>
-            <a:r>
-              <a:rPr lang="en-US" sz="1600" dirty="0">
-                <a:latin typeface="Cascadia Code SemiBold" panose="020B0609020000020004" pitchFamily="49" charset="0"/>
-                <a:ea typeface="Cascadia Code SemiBold" panose="020B0609020000020004" pitchFamily="49" charset="0"/>
-                <a:cs typeface="Cascadia Code SemiBold" panose="020B0609020000020004" pitchFamily="49" charset="0"/>
-              </a:rPr>
-              <a:t>$git rebase --continue  </a:t>
-            </a:r>
-          </a:p>
-          <a:p>
-            <a:r>
-              <a:rPr lang="en-US" sz="1600" dirty="0">
-                <a:latin typeface="Cascadia Code SemiBold" panose="020B0609020000020004" pitchFamily="49" charset="0"/>
-                <a:ea typeface="Cascadia Code SemiBold" panose="020B0609020000020004" pitchFamily="49" charset="0"/>
-                <a:cs typeface="Cascadia Code SemiBold" panose="020B0609020000020004" pitchFamily="49" charset="0"/>
-              </a:rPr>
-              <a:t>The above command is used to continue with the changes you made. If you want to skip the change, you can skip as follows:</a:t>
-            </a:r>
-          </a:p>
-          <a:p>
-            <a:endParaRPr lang="en-US" sz="1600" dirty="0">
-              <a:latin typeface="Cascadia Code SemiBold" panose="020B0609020000020004" pitchFamily="49" charset="0"/>
-              <a:ea typeface="Cascadia Code SemiBold" panose="020B0609020000020004" pitchFamily="49" charset="0"/>
-              <a:cs typeface="Cascadia Code SemiBold" panose="020B0609020000020004" pitchFamily="49" charset="0"/>
-            </a:endParaRPr>
-          </a:p>
-          <a:p>
-            <a:r>
-              <a:rPr lang="en-US" sz="1600" dirty="0">
-                <a:latin typeface="Cascadia Code SemiBold" panose="020B0609020000020004" pitchFamily="49" charset="0"/>
-                <a:ea typeface="Cascadia Code SemiBold" panose="020B0609020000020004" pitchFamily="49" charset="0"/>
-                <a:cs typeface="Cascadia Code SemiBold" panose="020B0609020000020004" pitchFamily="49" charset="0"/>
-              </a:rPr>
-              <a:t>$ git rebase --skip  </a:t>
-            </a:r>
-          </a:p>
-          <a:p>
-            <a:r>
-              <a:rPr lang="en-US" sz="1600" dirty="0">
-                <a:latin typeface="Cascadia Code SemiBold" panose="020B0609020000020004" pitchFamily="49" charset="0"/>
-                <a:ea typeface="Cascadia Code SemiBold" panose="020B0609020000020004" pitchFamily="49" charset="0"/>
-                <a:cs typeface="Cascadia Code SemiBold" panose="020B0609020000020004" pitchFamily="49" charset="0"/>
-              </a:rPr>
-              <a:t>When the rebasing is completed. Push the repository to the origin. Consider the below example to understand the git merge command.</a:t>
-            </a:r>
-          </a:p>
-        </p:txBody>
-      </p:sp>
-      <p:pic>
-        <p:nvPicPr>
-          <p:cNvPr id="7" name="Picture 6">
-            <a:extLst>
-              <a:ext uri="{FF2B5EF4-FFF2-40B4-BE49-F238E27FC236}">
-                <a16:creationId xmlns:a16="http://schemas.microsoft.com/office/drawing/2014/main" id="{BB671183-7DA5-8E9F-1943-01595ACE3B06}"/>
+                <a16:creationId xmlns:a16="http://schemas.microsoft.com/office/drawing/2014/main" id="{50D00960-2FF3-2748-AF27-46BDD9851C4A}"/>
               </a:ext>
             </a:extLst>
           </p:cNvPr>
@@ -6775,14 +6367,66 @@
         </p:blipFill>
         <p:spPr>
           <a:xfrm>
-            <a:off x="5626163" y="2814099"/>
-            <a:ext cx="5185159" cy="1064882"/>
+            <a:off x="6785812" y="505566"/>
+            <a:ext cx="4971434" cy="3454725"/>
           </a:xfrm>
           <a:prstGeom prst="rect">
             <a:avLst/>
           </a:prstGeom>
         </p:spPr>
       </p:pic>
+      <p:sp>
+        <p:nvSpPr>
+          <p:cNvPr id="10" name="TextBox 9">
+            <a:extLst>
+              <a:ext uri="{FF2B5EF4-FFF2-40B4-BE49-F238E27FC236}">
+                <a16:creationId xmlns:a16="http://schemas.microsoft.com/office/drawing/2014/main" id="{34A316F5-AB29-B727-28A4-76681AE81886}"/>
+              </a:ext>
+            </a:extLst>
+          </p:cNvPr>
+          <p:cNvSpPr txBox="1"/>
+          <p:nvPr/>
+        </p:nvSpPr>
+        <p:spPr>
+          <a:xfrm>
+            <a:off x="596766" y="856647"/>
+            <a:ext cx="4148489" cy="2215991"/>
+          </a:xfrm>
+          <a:prstGeom prst="rect">
+            <a:avLst/>
+          </a:prstGeom>
+          <a:noFill/>
+        </p:spPr>
+        <p:txBody>
+          <a:bodyPr wrap="square" rtlCol="0">
+            <a:spAutoFit/>
+          </a:bodyPr>
+          <a:lstStyle/>
+          <a:p>
+            <a:r>
+              <a:rPr lang="en-IN" sz="2000" dirty="0">
+                <a:latin typeface="Cascadia Code SemiBold" panose="020B0609020000020004" pitchFamily="49" charset="0"/>
+                <a:ea typeface="Cascadia Code SemiBold" panose="020B0609020000020004" pitchFamily="49" charset="0"/>
+                <a:cs typeface="Cascadia Code SemiBold" panose="020B0609020000020004" pitchFamily="49" charset="0"/>
+              </a:rPr>
+              <a:t>The syntax can be seen here.</a:t>
+            </a:r>
+          </a:p>
+          <a:p>
+            <a:r>
+              <a:rPr lang="en-IN" sz="2000" dirty="0">
+                <a:latin typeface="Cascadia Code SemiBold" panose="020B0609020000020004" pitchFamily="49" charset="0"/>
+                <a:ea typeface="Cascadia Code SemiBold" panose="020B0609020000020004" pitchFamily="49" charset="0"/>
+                <a:cs typeface="Cascadia Code SemiBold" panose="020B0609020000020004" pitchFamily="49" charset="0"/>
+              </a:rPr>
+              <a:t>Being on the master branch, the new feature commits have been rebased on top of it</a:t>
+            </a:r>
+          </a:p>
+          <a:p>
+            <a:endParaRPr lang="en-IN" dirty="0"/>
+          </a:p>
+        </p:txBody>
+      </p:sp>
     </p:spTree>
     <p:extLst>
       <p:ext uri="{BB962C8B-B14F-4D97-AF65-F5344CB8AC3E}">
@@ -6831,8 +6475,8 @@
         </p:nvSpPr>
         <p:spPr>
           <a:xfrm>
-            <a:off x="114551" y="1722093"/>
-            <a:ext cx="6688080" cy="2971051"/>
+            <a:off x="114551" y="1260080"/>
+            <a:ext cx="6305500" cy="2971051"/>
           </a:xfrm>
         </p:spPr>
         <p:txBody>
@@ -6875,7 +6519,7 @@
                 <a:ea typeface="Cascadia Code SemiBold" panose="020B0609020000020004" pitchFamily="49" charset="0"/>
                 <a:cs typeface="Cascadia Code SemiBold" panose="020B0609020000020004" pitchFamily="49" charset="0"/>
               </a:rPr>
-              <a:t>git cherry-pick is a powerful command that enables arbitrary Git commits to be picked by reference and appended to the current working HEAD. Cherry-picking is the act of picking a commit from a branch and applying it to another. Git cherry-pick can be useful for undoing changes. For example, say a commit is accidentally made to the wrong branch. You can switch to the correct branch and cherry-pick the commit to where it should belong. The git cherry-pick is used to access the changes introduced to a sub-branch, without changing the branch.</a:t>
+              <a:t>For example, say a commit is accidentally made to the wrong branch. You can switch to the correct branch and cherry-pick the commit to where it should belong. The git cherry-pick is used to access the changes introduced to a sub-branch, without changing the branch.</a:t>
             </a:r>
             <a:endParaRPr lang="en-IN" sz="1600" dirty="0">
               <a:latin typeface="Cascadia Code SemiBold" panose="020B0609020000020004" pitchFamily="49" charset="0"/>
@@ -7299,194 +6943,249 @@
       </p:grpSpPr>
       <p:sp>
         <p:nvSpPr>
-          <p:cNvPr id="2" name="Title 1">
+          <p:cNvPr id="2" name="TextBox 1">
             <a:extLst>
               <a:ext uri="{FF2B5EF4-FFF2-40B4-BE49-F238E27FC236}">
-                <a16:creationId xmlns:a16="http://schemas.microsoft.com/office/drawing/2014/main" id="{8CC20DEA-E70C-1FCE-02A9-9299FE7F31ED}"/>
+                <a16:creationId xmlns:a16="http://schemas.microsoft.com/office/drawing/2014/main" id="{D19FCC80-5348-63CD-ECF1-0182C107ABA2}"/>
               </a:ext>
             </a:extLst>
           </p:cNvPr>
-          <p:cNvSpPr>
-            <a:spLocks noGrp="1"/>
-          </p:cNvSpPr>
-          <p:nvPr>
-            <p:ph type="title"/>
-          </p:nvPr>
+          <p:cNvSpPr txBox="1"/>
+          <p:nvPr/>
         </p:nvSpPr>
         <p:spPr>
           <a:xfrm>
-            <a:off x="742624" y="4980687"/>
-            <a:ext cx="10571998" cy="970450"/>
-          </a:xfrm>
-        </p:spPr>
-        <p:txBody>
-          <a:bodyPr/>
+            <a:off x="490888" y="452387"/>
+            <a:ext cx="10876548" cy="6001643"/>
+          </a:xfrm>
+          <a:prstGeom prst="rect">
+            <a:avLst/>
+          </a:prstGeom>
+          <a:noFill/>
+        </p:spPr>
+        <p:txBody>
+          <a:bodyPr wrap="square" rtlCol="0">
+            <a:spAutoFit/>
+          </a:bodyPr>
           <a:lstStyle/>
           <a:p>
             <a:r>
-              <a:rPr lang="en-IN" sz="4400" dirty="0">
-                <a:latin typeface="Cascadia Code SemiBold" panose="020B0609020000020004" pitchFamily="49" charset="0"/>
-                <a:ea typeface="Cascadia Code SemiBold" panose="020B0609020000020004" pitchFamily="49" charset="0"/>
-                <a:cs typeface="Cascadia Code SemiBold" panose="020B0609020000020004" pitchFamily="49" charset="0"/>
-              </a:rPr>
-              <a:t>Conclusion:</a:t>
-            </a:r>
-            <a:br>
-              <a:rPr lang="en-IN" sz="2800" dirty="0">
-                <a:latin typeface="Cascadia Code SemiBold" panose="020B0609020000020004" pitchFamily="49" charset="0"/>
-                <a:ea typeface="Cascadia Code SemiBold" panose="020B0609020000020004" pitchFamily="49" charset="0"/>
-                <a:cs typeface="Cascadia Code SemiBold" panose="020B0609020000020004" pitchFamily="49" charset="0"/>
-              </a:rPr>
-            </a:br>
-            <a:br>
-              <a:rPr lang="en-IN" sz="2800" dirty="0">
-                <a:latin typeface="Cascadia Code SemiBold" panose="020B0609020000020004" pitchFamily="49" charset="0"/>
-                <a:ea typeface="Cascadia Code SemiBold" panose="020B0609020000020004" pitchFamily="49" charset="0"/>
-                <a:cs typeface="Cascadia Code SemiBold" panose="020B0609020000020004" pitchFamily="49" charset="0"/>
-              </a:rPr>
-            </a:br>
-            <a:br>
-              <a:rPr lang="en-IN" sz="2800" dirty="0">
-                <a:latin typeface="Cascadia Code SemiBold" panose="020B0609020000020004" pitchFamily="49" charset="0"/>
-                <a:ea typeface="Cascadia Code SemiBold" panose="020B0609020000020004" pitchFamily="49" charset="0"/>
-                <a:cs typeface="Cascadia Code SemiBold" panose="020B0609020000020004" pitchFamily="49" charset="0"/>
-              </a:rPr>
-            </a:br>
-            <a:br>
-              <a:rPr lang="en-IN" sz="2800" dirty="0">
-                <a:latin typeface="Cascadia Code SemiBold" panose="020B0609020000020004" pitchFamily="49" charset="0"/>
-                <a:ea typeface="Cascadia Code SemiBold" panose="020B0609020000020004" pitchFamily="49" charset="0"/>
-                <a:cs typeface="Cascadia Code SemiBold" panose="020B0609020000020004" pitchFamily="49" charset="0"/>
-              </a:rPr>
-            </a:br>
-            <a:r>
-              <a:rPr lang="en-IN" sz="2800" dirty="0">
-                <a:latin typeface="Cascadia Code SemiBold" panose="020B0609020000020004" pitchFamily="49" charset="0"/>
-                <a:ea typeface="Cascadia Code SemiBold" panose="020B0609020000020004" pitchFamily="49" charset="0"/>
-                <a:cs typeface="Cascadia Code SemiBold" panose="020B0609020000020004" pitchFamily="49" charset="0"/>
-              </a:rPr>
-              <a:t>This was a short presentation from my side on </a:t>
-            </a:r>
-            <a:br>
-              <a:rPr lang="en-IN" sz="2800" dirty="0">
-                <a:latin typeface="Cascadia Code SemiBold" panose="020B0609020000020004" pitchFamily="49" charset="0"/>
-                <a:ea typeface="Cascadia Code SemiBold" panose="020B0609020000020004" pitchFamily="49" charset="0"/>
-                <a:cs typeface="Cascadia Code SemiBold" panose="020B0609020000020004" pitchFamily="49" charset="0"/>
-              </a:rPr>
-            </a:br>
-            <a:r>
-              <a:rPr lang="en-IN" sz="2800" dirty="0">
-                <a:latin typeface="Cascadia Code SemiBold" panose="020B0609020000020004" pitchFamily="49" charset="0"/>
-                <a:ea typeface="Cascadia Code SemiBold" panose="020B0609020000020004" pitchFamily="49" charset="0"/>
-                <a:cs typeface="Cascadia Code SemiBold" panose="020B0609020000020004" pitchFamily="49" charset="0"/>
-              </a:rPr>
-              <a:t>git stash</a:t>
-            </a:r>
-            <a:br>
-              <a:rPr lang="en-IN" sz="2800" dirty="0">
-                <a:latin typeface="Cascadia Code SemiBold" panose="020B0609020000020004" pitchFamily="49" charset="0"/>
-                <a:ea typeface="Cascadia Code SemiBold" panose="020B0609020000020004" pitchFamily="49" charset="0"/>
-                <a:cs typeface="Cascadia Code SemiBold" panose="020B0609020000020004" pitchFamily="49" charset="0"/>
-              </a:rPr>
-            </a:br>
-            <a:r>
-              <a:rPr lang="en-IN" sz="2800" dirty="0">
-                <a:latin typeface="Cascadia Code SemiBold" panose="020B0609020000020004" pitchFamily="49" charset="0"/>
-                <a:ea typeface="Cascadia Code SemiBold" panose="020B0609020000020004" pitchFamily="49" charset="0"/>
-                <a:cs typeface="Cascadia Code SemiBold" panose="020B0609020000020004" pitchFamily="49" charset="0"/>
-              </a:rPr>
-              <a:t>git bisect</a:t>
-            </a:r>
-            <a:br>
-              <a:rPr lang="en-IN" sz="2800" dirty="0">
-                <a:latin typeface="Cascadia Code SemiBold" panose="020B0609020000020004" pitchFamily="49" charset="0"/>
-                <a:ea typeface="Cascadia Code SemiBold" panose="020B0609020000020004" pitchFamily="49" charset="0"/>
-                <a:cs typeface="Cascadia Code SemiBold" panose="020B0609020000020004" pitchFamily="49" charset="0"/>
-              </a:rPr>
-            </a:br>
-            <a:r>
-              <a:rPr lang="en-IN" sz="2800" dirty="0">
-                <a:latin typeface="Cascadia Code SemiBold" panose="020B0609020000020004" pitchFamily="49" charset="0"/>
-                <a:ea typeface="Cascadia Code SemiBold" panose="020B0609020000020004" pitchFamily="49" charset="0"/>
-                <a:cs typeface="Cascadia Code SemiBold" panose="020B0609020000020004" pitchFamily="49" charset="0"/>
-              </a:rPr>
-              <a:t>git </a:t>
-            </a:r>
-            <a:r>
-              <a:rPr lang="en-IN" sz="2800" dirty="0" err="1">
-                <a:latin typeface="Cascadia Code SemiBold" panose="020B0609020000020004" pitchFamily="49" charset="0"/>
-                <a:ea typeface="Cascadia Code SemiBold" panose="020B0609020000020004" pitchFamily="49" charset="0"/>
-                <a:cs typeface="Cascadia Code SemiBold" panose="020B0609020000020004" pitchFamily="49" charset="0"/>
-              </a:rPr>
-              <a:t>reflog</a:t>
-            </a:r>
-            <a:br>
-              <a:rPr lang="en-IN" sz="2800" dirty="0">
-                <a:latin typeface="Cascadia Code SemiBold" panose="020B0609020000020004" pitchFamily="49" charset="0"/>
-                <a:ea typeface="Cascadia Code SemiBold" panose="020B0609020000020004" pitchFamily="49" charset="0"/>
-                <a:cs typeface="Cascadia Code SemiBold" panose="020B0609020000020004" pitchFamily="49" charset="0"/>
-              </a:rPr>
-            </a:br>
-            <a:r>
-              <a:rPr lang="en-IN" sz="2800" dirty="0">
-                <a:latin typeface="Cascadia Code SemiBold" panose="020B0609020000020004" pitchFamily="49" charset="0"/>
-                <a:ea typeface="Cascadia Code SemiBold" panose="020B0609020000020004" pitchFamily="49" charset="0"/>
-                <a:cs typeface="Cascadia Code SemiBold" panose="020B0609020000020004" pitchFamily="49" charset="0"/>
-              </a:rPr>
-              <a:t>git diff</a:t>
-            </a:r>
-            <a:br>
-              <a:rPr lang="en-IN" sz="2800" dirty="0">
-                <a:latin typeface="Cascadia Code SemiBold" panose="020B0609020000020004" pitchFamily="49" charset="0"/>
-                <a:ea typeface="Cascadia Code SemiBold" panose="020B0609020000020004" pitchFamily="49" charset="0"/>
-                <a:cs typeface="Cascadia Code SemiBold" panose="020B0609020000020004" pitchFamily="49" charset="0"/>
-              </a:rPr>
-            </a:br>
-            <a:r>
-              <a:rPr lang="en-IN" sz="2800" dirty="0">
-                <a:latin typeface="Cascadia Code SemiBold" panose="020B0609020000020004" pitchFamily="49" charset="0"/>
-                <a:ea typeface="Cascadia Code SemiBold" panose="020B0609020000020004" pitchFamily="49" charset="0"/>
-                <a:cs typeface="Cascadia Code SemiBold" panose="020B0609020000020004" pitchFamily="49" charset="0"/>
-              </a:rPr>
-              <a:t>git switch</a:t>
-            </a:r>
-            <a:br>
-              <a:rPr lang="en-IN" sz="2800" dirty="0">
-                <a:latin typeface="Cascadia Code SemiBold" panose="020B0609020000020004" pitchFamily="49" charset="0"/>
-                <a:ea typeface="Cascadia Code SemiBold" panose="020B0609020000020004" pitchFamily="49" charset="0"/>
-                <a:cs typeface="Cascadia Code SemiBold" panose="020B0609020000020004" pitchFamily="49" charset="0"/>
-              </a:rPr>
-            </a:br>
-            <a:r>
-              <a:rPr lang="en-IN" sz="2800" dirty="0">
-                <a:latin typeface="Cascadia Code SemiBold" panose="020B0609020000020004" pitchFamily="49" charset="0"/>
-                <a:ea typeface="Cascadia Code SemiBold" panose="020B0609020000020004" pitchFamily="49" charset="0"/>
-                <a:cs typeface="Cascadia Code SemiBold" panose="020B0609020000020004" pitchFamily="49" charset="0"/>
-              </a:rPr>
-              <a:t>git rebase</a:t>
-            </a:r>
-            <a:br>
-              <a:rPr lang="en-IN" sz="2800" dirty="0">
-                <a:latin typeface="Cascadia Code SemiBold" panose="020B0609020000020004" pitchFamily="49" charset="0"/>
-                <a:ea typeface="Cascadia Code SemiBold" panose="020B0609020000020004" pitchFamily="49" charset="0"/>
-                <a:cs typeface="Cascadia Code SemiBold" panose="020B0609020000020004" pitchFamily="49" charset="0"/>
-              </a:rPr>
-            </a:br>
-            <a:r>
-              <a:rPr lang="en-IN" sz="2800" dirty="0">
-                <a:latin typeface="Cascadia Code SemiBold" panose="020B0609020000020004" pitchFamily="49" charset="0"/>
-                <a:ea typeface="Cascadia Code SemiBold" panose="020B0609020000020004" pitchFamily="49" charset="0"/>
-                <a:cs typeface="Cascadia Code SemiBold" panose="020B0609020000020004" pitchFamily="49" charset="0"/>
-              </a:rPr>
-              <a:t>git cherry-pick</a:t>
-            </a:r>
+              <a:rPr lang="en-IN" sz="2400" b="1" u="sng" dirty="0">
+                <a:latin typeface="Cascadia Code SemiBold" panose="020B0609020000020004" pitchFamily="49" charset="0"/>
+                <a:ea typeface="Cascadia Code SemiBold" panose="020B0609020000020004" pitchFamily="49" charset="0"/>
+                <a:cs typeface="Cascadia Code SemiBold" panose="020B0609020000020004" pitchFamily="49" charset="0"/>
+              </a:rPr>
+              <a:t>ACKNOWLEDGEMENT</a:t>
+            </a:r>
+          </a:p>
+          <a:p>
+            <a:endParaRPr lang="en-IN" dirty="0">
+              <a:latin typeface="Cascadia Code SemiBold" panose="020B0609020000020004" pitchFamily="49" charset="0"/>
+              <a:ea typeface="Cascadia Code SemiBold" panose="020B0609020000020004" pitchFamily="49" charset="0"/>
+              <a:cs typeface="Cascadia Code SemiBold" panose="020B0609020000020004" pitchFamily="49" charset="0"/>
+            </a:endParaRPr>
+          </a:p>
+          <a:p>
+            <a:r>
+              <a:rPr lang="en-IN" dirty="0">
+                <a:latin typeface="Cascadia Code SemiBold" panose="020B0609020000020004" pitchFamily="49" charset="0"/>
+                <a:ea typeface="Cascadia Code SemiBold" panose="020B0609020000020004" pitchFamily="49" charset="0"/>
+                <a:cs typeface="Cascadia Code SemiBold" panose="020B0609020000020004" pitchFamily="49" charset="0"/>
+              </a:rPr>
+              <a:t>I have taken help from these sites :</a:t>
+            </a:r>
+          </a:p>
+          <a:p>
+            <a:endParaRPr lang="en-IN" dirty="0">
+              <a:latin typeface="Cascadia Code SemiBold" panose="020B0609020000020004" pitchFamily="49" charset="0"/>
+              <a:ea typeface="Cascadia Code SemiBold" panose="020B0609020000020004" pitchFamily="49" charset="0"/>
+              <a:cs typeface="Cascadia Code SemiBold" panose="020B0609020000020004" pitchFamily="49" charset="0"/>
+            </a:endParaRPr>
+          </a:p>
+          <a:p>
+            <a:pPr marL="285750" indent="-285750">
+              <a:buFont typeface="Arial" panose="020B0604020202020204" pitchFamily="34" charset="0"/>
+              <a:buChar char="•"/>
+            </a:pPr>
+            <a:r>
+              <a:rPr lang="en-IN" dirty="0">
+                <a:latin typeface="Cascadia Code SemiBold" panose="020B0609020000020004" pitchFamily="49" charset="0"/>
+                <a:ea typeface="Cascadia Code SemiBold" panose="020B0609020000020004" pitchFamily="49" charset="0"/>
+                <a:cs typeface="Cascadia Code SemiBold" panose="020B0609020000020004" pitchFamily="49" charset="0"/>
+                <a:hlinkClick r:id="rId2"/>
+              </a:rPr>
+              <a:t>https://www.atlassian.com/git/tutorials</a:t>
+            </a:r>
+            <a:endParaRPr lang="en-IN" dirty="0">
+              <a:latin typeface="Cascadia Code SemiBold" panose="020B0609020000020004" pitchFamily="49" charset="0"/>
+              <a:ea typeface="Cascadia Code SemiBold" panose="020B0609020000020004" pitchFamily="49" charset="0"/>
+              <a:cs typeface="Cascadia Code SemiBold" panose="020B0609020000020004" pitchFamily="49" charset="0"/>
+            </a:endParaRPr>
+          </a:p>
+          <a:p>
+            <a:pPr marL="285750" indent="-285750">
+              <a:buFont typeface="Arial" panose="020B0604020202020204" pitchFamily="34" charset="0"/>
+              <a:buChar char="•"/>
+            </a:pPr>
+            <a:endParaRPr lang="en-IN" dirty="0">
+              <a:latin typeface="Cascadia Code SemiBold" panose="020B0609020000020004" pitchFamily="49" charset="0"/>
+              <a:ea typeface="Cascadia Code SemiBold" panose="020B0609020000020004" pitchFamily="49" charset="0"/>
+              <a:cs typeface="Cascadia Code SemiBold" panose="020B0609020000020004" pitchFamily="49" charset="0"/>
+            </a:endParaRPr>
+          </a:p>
+          <a:p>
+            <a:pPr marL="285750" indent="-285750">
+              <a:buFont typeface="Arial" panose="020B0604020202020204" pitchFamily="34" charset="0"/>
+              <a:buChar char="•"/>
+            </a:pPr>
+            <a:r>
+              <a:rPr lang="en-IN" dirty="0">
+                <a:latin typeface="Cascadia Code SemiBold" panose="020B0609020000020004" pitchFamily="49" charset="0"/>
+                <a:ea typeface="Cascadia Code SemiBold" panose="020B0609020000020004" pitchFamily="49" charset="0"/>
+                <a:cs typeface="Cascadia Code SemiBold" panose="020B0609020000020004" pitchFamily="49" charset="0"/>
+                <a:hlinkClick r:id="rId3"/>
+              </a:rPr>
+              <a:t>https://www.javatpoint.com/</a:t>
+            </a:r>
+            <a:endParaRPr lang="en-IN" dirty="0">
+              <a:latin typeface="Cascadia Code SemiBold" panose="020B0609020000020004" pitchFamily="49" charset="0"/>
+              <a:ea typeface="Cascadia Code SemiBold" panose="020B0609020000020004" pitchFamily="49" charset="0"/>
+              <a:cs typeface="Cascadia Code SemiBold" panose="020B0609020000020004" pitchFamily="49" charset="0"/>
+            </a:endParaRPr>
+          </a:p>
+          <a:p>
+            <a:pPr marL="285750" indent="-285750">
+              <a:buFont typeface="Arial" panose="020B0604020202020204" pitchFamily="34" charset="0"/>
+              <a:buChar char="•"/>
+            </a:pPr>
+            <a:endParaRPr lang="en-IN" dirty="0">
+              <a:latin typeface="Cascadia Code SemiBold" panose="020B0609020000020004" pitchFamily="49" charset="0"/>
+              <a:ea typeface="Cascadia Code SemiBold" panose="020B0609020000020004" pitchFamily="49" charset="0"/>
+              <a:cs typeface="Cascadia Code SemiBold" panose="020B0609020000020004" pitchFamily="49" charset="0"/>
+            </a:endParaRPr>
+          </a:p>
+          <a:p>
+            <a:pPr marL="285750" indent="-285750">
+              <a:buFont typeface="Arial" panose="020B0604020202020204" pitchFamily="34" charset="0"/>
+              <a:buChar char="•"/>
+            </a:pPr>
+            <a:r>
+              <a:rPr lang="en-IN" dirty="0">
+                <a:latin typeface="Cascadia Code SemiBold" panose="020B0609020000020004" pitchFamily="49" charset="0"/>
+                <a:ea typeface="Cascadia Code SemiBold" panose="020B0609020000020004" pitchFamily="49" charset="0"/>
+                <a:cs typeface="Cascadia Code SemiBold" panose="020B0609020000020004" pitchFamily="49" charset="0"/>
+                <a:hlinkClick r:id="rId4"/>
+              </a:rPr>
+              <a:t>https://www.git-tower.com/windows?utm_source=learn-website&amp;utm_medium=navigation</a:t>
+            </a:r>
+            <a:endParaRPr lang="en-IN" dirty="0">
+              <a:latin typeface="Cascadia Code SemiBold" panose="020B0609020000020004" pitchFamily="49" charset="0"/>
+              <a:ea typeface="Cascadia Code SemiBold" panose="020B0609020000020004" pitchFamily="49" charset="0"/>
+              <a:cs typeface="Cascadia Code SemiBold" panose="020B0609020000020004" pitchFamily="49" charset="0"/>
+            </a:endParaRPr>
+          </a:p>
+          <a:p>
+            <a:pPr marL="285750" indent="-285750">
+              <a:buFont typeface="Arial" panose="020B0604020202020204" pitchFamily="34" charset="0"/>
+              <a:buChar char="•"/>
+            </a:pPr>
+            <a:endParaRPr lang="en-IN" dirty="0">
+              <a:latin typeface="Cascadia Code SemiBold" panose="020B0609020000020004" pitchFamily="49" charset="0"/>
+              <a:ea typeface="Cascadia Code SemiBold" panose="020B0609020000020004" pitchFamily="49" charset="0"/>
+              <a:cs typeface="Cascadia Code SemiBold" panose="020B0609020000020004" pitchFamily="49" charset="0"/>
+            </a:endParaRPr>
+          </a:p>
+          <a:p>
+            <a:pPr marL="285750" indent="-285750">
+              <a:buFont typeface="Arial" panose="020B0604020202020204" pitchFamily="34" charset="0"/>
+              <a:buChar char="•"/>
+            </a:pPr>
+            <a:r>
+              <a:rPr lang="en-IN" dirty="0">
+                <a:latin typeface="Cascadia Code SemiBold" panose="020B0609020000020004" pitchFamily="49" charset="0"/>
+                <a:ea typeface="Cascadia Code SemiBold" panose="020B0609020000020004" pitchFamily="49" charset="0"/>
+                <a:cs typeface="Cascadia Code SemiBold" panose="020B0609020000020004" pitchFamily="49" charset="0"/>
+                <a:hlinkClick r:id="rId5"/>
+              </a:rPr>
+              <a:t>https://www.youtube.com/watch?v=8JJ101D3knE</a:t>
+            </a:r>
+            <a:endParaRPr lang="en-IN" dirty="0">
+              <a:latin typeface="Cascadia Code SemiBold" panose="020B0609020000020004" pitchFamily="49" charset="0"/>
+              <a:ea typeface="Cascadia Code SemiBold" panose="020B0609020000020004" pitchFamily="49" charset="0"/>
+              <a:cs typeface="Cascadia Code SemiBold" panose="020B0609020000020004" pitchFamily="49" charset="0"/>
+            </a:endParaRPr>
+          </a:p>
+          <a:p>
+            <a:pPr marL="285750" indent="-285750">
+              <a:buFont typeface="Arial" panose="020B0604020202020204" pitchFamily="34" charset="0"/>
+              <a:buChar char="•"/>
+            </a:pPr>
+            <a:endParaRPr lang="en-IN" dirty="0">
+              <a:latin typeface="Cascadia Code SemiBold" panose="020B0609020000020004" pitchFamily="49" charset="0"/>
+              <a:ea typeface="Cascadia Code SemiBold" panose="020B0609020000020004" pitchFamily="49" charset="0"/>
+              <a:cs typeface="Cascadia Code SemiBold" panose="020B0609020000020004" pitchFamily="49" charset="0"/>
+            </a:endParaRPr>
+          </a:p>
+          <a:p>
+            <a:r>
+              <a:rPr lang="en-IN" dirty="0">
+                <a:latin typeface="Cascadia Code SemiBold" panose="020B0609020000020004" pitchFamily="49" charset="0"/>
+                <a:ea typeface="Cascadia Code SemiBold" panose="020B0609020000020004" pitchFamily="49" charset="0"/>
+                <a:cs typeface="Cascadia Code SemiBold" panose="020B0609020000020004" pitchFamily="49" charset="0"/>
+              </a:rPr>
+              <a:t>I have used some images available on Google as well.</a:t>
+            </a:r>
+          </a:p>
+          <a:p>
+            <a:endParaRPr lang="en-IN" dirty="0">
+              <a:latin typeface="Cascadia Code SemiBold" panose="020B0609020000020004" pitchFamily="49" charset="0"/>
+              <a:ea typeface="Cascadia Code SemiBold" panose="020B0609020000020004" pitchFamily="49" charset="0"/>
+              <a:cs typeface="Cascadia Code SemiBold" panose="020B0609020000020004" pitchFamily="49" charset="0"/>
+            </a:endParaRPr>
+          </a:p>
+          <a:p>
+            <a:r>
+              <a:rPr lang="en-IN" dirty="0">
+                <a:latin typeface="Cascadia Code SemiBold" panose="020B0609020000020004" pitchFamily="49" charset="0"/>
+                <a:ea typeface="Cascadia Code SemiBold" panose="020B0609020000020004" pitchFamily="49" charset="0"/>
+                <a:cs typeface="Cascadia Code SemiBold" panose="020B0609020000020004" pitchFamily="49" charset="0"/>
+              </a:rPr>
+              <a:t>This was the first time I tried to understand git. It was an interesting experience. Looking forward to learning more.</a:t>
+            </a:r>
+          </a:p>
+          <a:p>
+            <a:endParaRPr lang="en-IN" dirty="0">
+              <a:latin typeface="Cascadia Code SemiBold" panose="020B0609020000020004" pitchFamily="49" charset="0"/>
+              <a:ea typeface="Cascadia Code SemiBold" panose="020B0609020000020004" pitchFamily="49" charset="0"/>
+              <a:cs typeface="Cascadia Code SemiBold" panose="020B0609020000020004" pitchFamily="49" charset="0"/>
+            </a:endParaRPr>
+          </a:p>
+          <a:p>
+            <a:endParaRPr lang="en-IN" dirty="0">
+              <a:latin typeface="Cascadia Code SemiBold" panose="020B0609020000020004" pitchFamily="49" charset="0"/>
+              <a:ea typeface="Cascadia Code SemiBold" panose="020B0609020000020004" pitchFamily="49" charset="0"/>
+              <a:cs typeface="Cascadia Code SemiBold" panose="020B0609020000020004" pitchFamily="49" charset="0"/>
+            </a:endParaRPr>
+          </a:p>
+          <a:p>
+            <a:r>
+              <a:rPr lang="en-IN" dirty="0">
+                <a:latin typeface="Cascadia Code SemiBold" panose="020B0609020000020004" pitchFamily="49" charset="0"/>
+                <a:ea typeface="Cascadia Code SemiBold" panose="020B0609020000020004" pitchFamily="49" charset="0"/>
+                <a:cs typeface="Cascadia Code SemiBold" panose="020B0609020000020004" pitchFamily="49" charset="0"/>
+              </a:rPr>
+              <a:t>Amrita Ghosh.</a:t>
+            </a:r>
+          </a:p>
+          <a:p>
+            <a:endParaRPr lang="en-IN" dirty="0"/>
           </a:p>
         </p:txBody>
       </p:sp>
     </p:spTree>
     <p:extLst>
       <p:ext uri="{BB962C8B-B14F-4D97-AF65-F5344CB8AC3E}">
-        <p14:creationId xmlns:p14="http://schemas.microsoft.com/office/powerpoint/2010/main" val="395980024"/>
+        <p14:creationId xmlns:p14="http://schemas.microsoft.com/office/powerpoint/2010/main" val="786079440"/>
       </p:ext>
     </p:extLst>
   </p:cSld>
@@ -7582,249 +7281,199 @@
       </p:grpSpPr>
       <p:sp>
         <p:nvSpPr>
-          <p:cNvPr id="2" name="TextBox 1">
+          <p:cNvPr id="2" name="Title 1">
             <a:extLst>
               <a:ext uri="{FF2B5EF4-FFF2-40B4-BE49-F238E27FC236}">
-                <a16:creationId xmlns:a16="http://schemas.microsoft.com/office/drawing/2014/main" id="{D19FCC80-5348-63CD-ECF1-0182C107ABA2}"/>
+                <a16:creationId xmlns:a16="http://schemas.microsoft.com/office/drawing/2014/main" id="{8CC20DEA-E70C-1FCE-02A9-9299FE7F31ED}"/>
               </a:ext>
             </a:extLst>
           </p:cNvPr>
-          <p:cNvSpPr txBox="1"/>
-          <p:nvPr/>
+          <p:cNvSpPr>
+            <a:spLocks noGrp="1"/>
+          </p:cNvSpPr>
+          <p:nvPr>
+            <p:ph type="title"/>
+          </p:nvPr>
         </p:nvSpPr>
         <p:spPr>
           <a:xfrm>
-            <a:off x="490888" y="452387"/>
-            <a:ext cx="10876548" cy="6001643"/>
-          </a:xfrm>
-          <a:prstGeom prst="rect">
-            <a:avLst/>
-          </a:prstGeom>
-          <a:noFill/>
-        </p:spPr>
-        <p:txBody>
-          <a:bodyPr wrap="square" rtlCol="0">
-            <a:spAutoFit/>
-          </a:bodyPr>
+            <a:off x="742624" y="4980687"/>
+            <a:ext cx="10571998" cy="970450"/>
+          </a:xfrm>
+        </p:spPr>
+        <p:txBody>
+          <a:bodyPr/>
           <a:lstStyle/>
           <a:p>
             <a:r>
-              <a:rPr lang="en-IN" sz="2400" b="1" u="sng" dirty="0">
-                <a:latin typeface="Cascadia Code SemiBold" panose="020B0609020000020004" pitchFamily="49" charset="0"/>
-                <a:ea typeface="Cascadia Code SemiBold" panose="020B0609020000020004" pitchFamily="49" charset="0"/>
-                <a:cs typeface="Cascadia Code SemiBold" panose="020B0609020000020004" pitchFamily="49" charset="0"/>
-              </a:rPr>
-              <a:t>ACKNOWLEDGEMENT</a:t>
-            </a:r>
-          </a:p>
-          <a:p>
-            <a:endParaRPr lang="en-IN" dirty="0">
+              <a:rPr lang="en-IN" sz="4400" dirty="0">
+                <a:latin typeface="Cascadia Code SemiBold" panose="020B0609020000020004" pitchFamily="49" charset="0"/>
+                <a:ea typeface="Cascadia Code SemiBold" panose="020B0609020000020004" pitchFamily="49" charset="0"/>
+                <a:cs typeface="Cascadia Code SemiBold" panose="020B0609020000020004" pitchFamily="49" charset="0"/>
+              </a:rPr>
+              <a:t>Content:</a:t>
+            </a:r>
+            <a:br>
+              <a:rPr lang="en-IN" sz="2800" dirty="0">
+                <a:latin typeface="Cascadia Code SemiBold" panose="020B0609020000020004" pitchFamily="49" charset="0"/>
+                <a:ea typeface="Cascadia Code SemiBold" panose="020B0609020000020004" pitchFamily="49" charset="0"/>
+                <a:cs typeface="Cascadia Code SemiBold" panose="020B0609020000020004" pitchFamily="49" charset="0"/>
+              </a:rPr>
+            </a:br>
+            <a:br>
+              <a:rPr lang="en-IN" sz="2800" dirty="0">
+                <a:latin typeface="Cascadia Code SemiBold" panose="020B0609020000020004" pitchFamily="49" charset="0"/>
+                <a:ea typeface="Cascadia Code SemiBold" panose="020B0609020000020004" pitchFamily="49" charset="0"/>
+                <a:cs typeface="Cascadia Code SemiBold" panose="020B0609020000020004" pitchFamily="49" charset="0"/>
+              </a:rPr>
+            </a:br>
+            <a:br>
+              <a:rPr lang="en-IN" sz="2800" dirty="0">
+                <a:latin typeface="Cascadia Code SemiBold" panose="020B0609020000020004" pitchFamily="49" charset="0"/>
+                <a:ea typeface="Cascadia Code SemiBold" panose="020B0609020000020004" pitchFamily="49" charset="0"/>
+                <a:cs typeface="Cascadia Code SemiBold" panose="020B0609020000020004" pitchFamily="49" charset="0"/>
+              </a:rPr>
+            </a:br>
+            <a:r>
+              <a:rPr lang="en-US" sz="2800" dirty="0">
+                <a:latin typeface="Cascadia Code SemiBold" panose="020B0609020000020004" pitchFamily="49" charset="0"/>
+                <a:ea typeface="Cascadia Code SemiBold" panose="020B0609020000020004" pitchFamily="49" charset="0"/>
+                <a:cs typeface="Cascadia Code SemiBold" panose="020B0609020000020004" pitchFamily="49" charset="0"/>
+              </a:rPr>
+              <a:t>This is a presentation from my side on: </a:t>
+            </a:r>
+            <a:br>
+              <a:rPr lang="en-US" sz="2800" dirty="0">
+                <a:latin typeface="Cascadia Code SemiBold" panose="020B0609020000020004" pitchFamily="49" charset="0"/>
+                <a:ea typeface="Cascadia Code SemiBold" panose="020B0609020000020004" pitchFamily="49" charset="0"/>
+                <a:cs typeface="Cascadia Code SemiBold" panose="020B0609020000020004" pitchFamily="49" charset="0"/>
+              </a:rPr>
+            </a:br>
+            <a:r>
+              <a:rPr lang="en-US" sz="2800" dirty="0">
+                <a:latin typeface="Cascadia Code SemiBold" panose="020B0609020000020004" pitchFamily="49" charset="0"/>
+                <a:ea typeface="Cascadia Code SemiBold" panose="020B0609020000020004" pitchFamily="49" charset="0"/>
+                <a:cs typeface="Cascadia Code SemiBold" panose="020B0609020000020004" pitchFamily="49" charset="0"/>
+              </a:rPr>
+              <a:t>git stash</a:t>
+            </a:r>
+            <a:br>
+              <a:rPr lang="en-US" sz="2800" dirty="0">
+                <a:latin typeface="Cascadia Code SemiBold" panose="020B0609020000020004" pitchFamily="49" charset="0"/>
+                <a:ea typeface="Cascadia Code SemiBold" panose="020B0609020000020004" pitchFamily="49" charset="0"/>
+                <a:cs typeface="Cascadia Code SemiBold" panose="020B0609020000020004" pitchFamily="49" charset="0"/>
+              </a:rPr>
+            </a:br>
+            <a:r>
+              <a:rPr lang="en-US" sz="2800" dirty="0">
+                <a:latin typeface="Cascadia Code SemiBold" panose="020B0609020000020004" pitchFamily="49" charset="0"/>
+                <a:ea typeface="Cascadia Code SemiBold" panose="020B0609020000020004" pitchFamily="49" charset="0"/>
+                <a:cs typeface="Cascadia Code SemiBold" panose="020B0609020000020004" pitchFamily="49" charset="0"/>
+              </a:rPr>
+              <a:t>git bisect</a:t>
+            </a:r>
+            <a:br>
+              <a:rPr lang="en-US" sz="2800" dirty="0">
+                <a:latin typeface="Cascadia Code SemiBold" panose="020B0609020000020004" pitchFamily="49" charset="0"/>
+                <a:ea typeface="Cascadia Code SemiBold" panose="020B0609020000020004" pitchFamily="49" charset="0"/>
+                <a:cs typeface="Cascadia Code SemiBold" panose="020B0609020000020004" pitchFamily="49" charset="0"/>
+              </a:rPr>
+            </a:br>
+            <a:r>
+              <a:rPr lang="en-US" sz="2800" dirty="0">
+                <a:latin typeface="Cascadia Code SemiBold" panose="020B0609020000020004" pitchFamily="49" charset="0"/>
+                <a:ea typeface="Cascadia Code SemiBold" panose="020B0609020000020004" pitchFamily="49" charset="0"/>
+                <a:cs typeface="Cascadia Code SemiBold" panose="020B0609020000020004" pitchFamily="49" charset="0"/>
+              </a:rPr>
+              <a:t>git </a:t>
+            </a:r>
+            <a:r>
+              <a:rPr lang="en-US" sz="2800" dirty="0" err="1">
+                <a:latin typeface="Cascadia Code SemiBold" panose="020B0609020000020004" pitchFamily="49" charset="0"/>
+                <a:ea typeface="Cascadia Code SemiBold" panose="020B0609020000020004" pitchFamily="49" charset="0"/>
+                <a:cs typeface="Cascadia Code SemiBold" panose="020B0609020000020004" pitchFamily="49" charset="0"/>
+              </a:rPr>
+              <a:t>reflog</a:t>
+            </a:r>
+            <a:br>
+              <a:rPr lang="en-US" sz="2800" dirty="0">
+                <a:latin typeface="Cascadia Code SemiBold" panose="020B0609020000020004" pitchFamily="49" charset="0"/>
+                <a:ea typeface="Cascadia Code SemiBold" panose="020B0609020000020004" pitchFamily="49" charset="0"/>
+                <a:cs typeface="Cascadia Code SemiBold" panose="020B0609020000020004" pitchFamily="49" charset="0"/>
+              </a:rPr>
+            </a:br>
+            <a:r>
+              <a:rPr lang="en-US" sz="2800" dirty="0">
+                <a:latin typeface="Cascadia Code SemiBold" panose="020B0609020000020004" pitchFamily="49" charset="0"/>
+                <a:ea typeface="Cascadia Code SemiBold" panose="020B0609020000020004" pitchFamily="49" charset="0"/>
+                <a:cs typeface="Cascadia Code SemiBold" panose="020B0609020000020004" pitchFamily="49" charset="0"/>
+              </a:rPr>
+              <a:t>git diff</a:t>
+            </a:r>
+            <a:br>
+              <a:rPr lang="en-US" sz="2800" dirty="0">
+                <a:latin typeface="Cascadia Code SemiBold" panose="020B0609020000020004" pitchFamily="49" charset="0"/>
+                <a:ea typeface="Cascadia Code SemiBold" panose="020B0609020000020004" pitchFamily="49" charset="0"/>
+                <a:cs typeface="Cascadia Code SemiBold" panose="020B0609020000020004" pitchFamily="49" charset="0"/>
+              </a:rPr>
+            </a:br>
+            <a:r>
+              <a:rPr lang="en-US" sz="2800" dirty="0">
+                <a:latin typeface="Cascadia Code SemiBold" panose="020B0609020000020004" pitchFamily="49" charset="0"/>
+                <a:ea typeface="Cascadia Code SemiBold" panose="020B0609020000020004" pitchFamily="49" charset="0"/>
+                <a:cs typeface="Cascadia Code SemiBold" panose="020B0609020000020004" pitchFamily="49" charset="0"/>
+              </a:rPr>
+              <a:t>git switch</a:t>
+            </a:r>
+            <a:br>
+              <a:rPr lang="en-US" sz="2800" dirty="0">
+                <a:latin typeface="Cascadia Code SemiBold" panose="020B0609020000020004" pitchFamily="49" charset="0"/>
+                <a:ea typeface="Cascadia Code SemiBold" panose="020B0609020000020004" pitchFamily="49" charset="0"/>
+                <a:cs typeface="Cascadia Code SemiBold" panose="020B0609020000020004" pitchFamily="49" charset="0"/>
+              </a:rPr>
+            </a:br>
+            <a:r>
+              <a:rPr lang="en-US" sz="2800" dirty="0">
+                <a:latin typeface="Cascadia Code SemiBold" panose="020B0609020000020004" pitchFamily="49" charset="0"/>
+                <a:ea typeface="Cascadia Code SemiBold" panose="020B0609020000020004" pitchFamily="49" charset="0"/>
+                <a:cs typeface="Cascadia Code SemiBold" panose="020B0609020000020004" pitchFamily="49" charset="0"/>
+              </a:rPr>
+              <a:t>git rebase</a:t>
+            </a:r>
+            <a:br>
+              <a:rPr lang="en-US" sz="2800" dirty="0">
+                <a:latin typeface="Cascadia Code SemiBold" panose="020B0609020000020004" pitchFamily="49" charset="0"/>
+                <a:ea typeface="Cascadia Code SemiBold" panose="020B0609020000020004" pitchFamily="49" charset="0"/>
+                <a:cs typeface="Cascadia Code SemiBold" panose="020B0609020000020004" pitchFamily="49" charset="0"/>
+              </a:rPr>
+            </a:br>
+            <a:r>
+              <a:rPr lang="en-US" sz="2800" dirty="0">
+                <a:latin typeface="Cascadia Code SemiBold" panose="020B0609020000020004" pitchFamily="49" charset="0"/>
+                <a:ea typeface="Cascadia Code SemiBold" panose="020B0609020000020004" pitchFamily="49" charset="0"/>
+                <a:cs typeface="Cascadia Code SemiBold" panose="020B0609020000020004" pitchFamily="49" charset="0"/>
+              </a:rPr>
+              <a:t>git cherry-pick</a:t>
+            </a:r>
+            <a:br>
+              <a:rPr lang="en-IN" sz="2800" dirty="0">
+                <a:latin typeface="Cascadia Code SemiBold" panose="020B0609020000020004" pitchFamily="49" charset="0"/>
+                <a:ea typeface="Cascadia Code SemiBold" panose="020B0609020000020004" pitchFamily="49" charset="0"/>
+                <a:cs typeface="Cascadia Code SemiBold" panose="020B0609020000020004" pitchFamily="49" charset="0"/>
+              </a:rPr>
+            </a:br>
+            <a:endParaRPr lang="en-IN" sz="2800" dirty="0">
               <a:latin typeface="Cascadia Code SemiBold" panose="020B0609020000020004" pitchFamily="49" charset="0"/>
               <a:ea typeface="Cascadia Code SemiBold" panose="020B0609020000020004" pitchFamily="49" charset="0"/>
               <a:cs typeface="Cascadia Code SemiBold" panose="020B0609020000020004" pitchFamily="49" charset="0"/>
             </a:endParaRPr>
           </a:p>
-          <a:p>
-            <a:r>
-              <a:rPr lang="en-IN" dirty="0">
-                <a:latin typeface="Cascadia Code SemiBold" panose="020B0609020000020004" pitchFamily="49" charset="0"/>
-                <a:ea typeface="Cascadia Code SemiBold" panose="020B0609020000020004" pitchFamily="49" charset="0"/>
-                <a:cs typeface="Cascadia Code SemiBold" panose="020B0609020000020004" pitchFamily="49" charset="0"/>
-              </a:rPr>
-              <a:t>I have taken help from these sites :</a:t>
-            </a:r>
-          </a:p>
-          <a:p>
-            <a:endParaRPr lang="en-IN" dirty="0">
-              <a:latin typeface="Cascadia Code SemiBold" panose="020B0609020000020004" pitchFamily="49" charset="0"/>
-              <a:ea typeface="Cascadia Code SemiBold" panose="020B0609020000020004" pitchFamily="49" charset="0"/>
-              <a:cs typeface="Cascadia Code SemiBold" panose="020B0609020000020004" pitchFamily="49" charset="0"/>
-            </a:endParaRPr>
-          </a:p>
-          <a:p>
-            <a:pPr marL="285750" indent="-285750">
-              <a:buFont typeface="Arial" panose="020B0604020202020204" pitchFamily="34" charset="0"/>
-              <a:buChar char="•"/>
-            </a:pPr>
-            <a:r>
-              <a:rPr lang="en-IN" dirty="0">
-                <a:latin typeface="Cascadia Code SemiBold" panose="020B0609020000020004" pitchFamily="49" charset="0"/>
-                <a:ea typeface="Cascadia Code SemiBold" panose="020B0609020000020004" pitchFamily="49" charset="0"/>
-                <a:cs typeface="Cascadia Code SemiBold" panose="020B0609020000020004" pitchFamily="49" charset="0"/>
-                <a:hlinkClick r:id="rId2"/>
-              </a:rPr>
-              <a:t>https://www.atlassian.com/git/tutorials</a:t>
-            </a:r>
-            <a:endParaRPr lang="en-IN" dirty="0">
-              <a:latin typeface="Cascadia Code SemiBold" panose="020B0609020000020004" pitchFamily="49" charset="0"/>
-              <a:ea typeface="Cascadia Code SemiBold" panose="020B0609020000020004" pitchFamily="49" charset="0"/>
-              <a:cs typeface="Cascadia Code SemiBold" panose="020B0609020000020004" pitchFamily="49" charset="0"/>
-            </a:endParaRPr>
-          </a:p>
-          <a:p>
-            <a:pPr marL="285750" indent="-285750">
-              <a:buFont typeface="Arial" panose="020B0604020202020204" pitchFamily="34" charset="0"/>
-              <a:buChar char="•"/>
-            </a:pPr>
-            <a:endParaRPr lang="en-IN" dirty="0">
-              <a:latin typeface="Cascadia Code SemiBold" panose="020B0609020000020004" pitchFamily="49" charset="0"/>
-              <a:ea typeface="Cascadia Code SemiBold" panose="020B0609020000020004" pitchFamily="49" charset="0"/>
-              <a:cs typeface="Cascadia Code SemiBold" panose="020B0609020000020004" pitchFamily="49" charset="0"/>
-            </a:endParaRPr>
-          </a:p>
-          <a:p>
-            <a:pPr marL="285750" indent="-285750">
-              <a:buFont typeface="Arial" panose="020B0604020202020204" pitchFamily="34" charset="0"/>
-              <a:buChar char="•"/>
-            </a:pPr>
-            <a:r>
-              <a:rPr lang="en-IN" dirty="0">
-                <a:latin typeface="Cascadia Code SemiBold" panose="020B0609020000020004" pitchFamily="49" charset="0"/>
-                <a:ea typeface="Cascadia Code SemiBold" panose="020B0609020000020004" pitchFamily="49" charset="0"/>
-                <a:cs typeface="Cascadia Code SemiBold" panose="020B0609020000020004" pitchFamily="49" charset="0"/>
-                <a:hlinkClick r:id="rId3"/>
-              </a:rPr>
-              <a:t>https://www.javatpoint.com/</a:t>
-            </a:r>
-            <a:endParaRPr lang="en-IN" dirty="0">
-              <a:latin typeface="Cascadia Code SemiBold" panose="020B0609020000020004" pitchFamily="49" charset="0"/>
-              <a:ea typeface="Cascadia Code SemiBold" panose="020B0609020000020004" pitchFamily="49" charset="0"/>
-              <a:cs typeface="Cascadia Code SemiBold" panose="020B0609020000020004" pitchFamily="49" charset="0"/>
-            </a:endParaRPr>
-          </a:p>
-          <a:p>
-            <a:pPr marL="285750" indent="-285750">
-              <a:buFont typeface="Arial" panose="020B0604020202020204" pitchFamily="34" charset="0"/>
-              <a:buChar char="•"/>
-            </a:pPr>
-            <a:endParaRPr lang="en-IN" dirty="0">
-              <a:latin typeface="Cascadia Code SemiBold" panose="020B0609020000020004" pitchFamily="49" charset="0"/>
-              <a:ea typeface="Cascadia Code SemiBold" panose="020B0609020000020004" pitchFamily="49" charset="0"/>
-              <a:cs typeface="Cascadia Code SemiBold" panose="020B0609020000020004" pitchFamily="49" charset="0"/>
-            </a:endParaRPr>
-          </a:p>
-          <a:p>
-            <a:pPr marL="285750" indent="-285750">
-              <a:buFont typeface="Arial" panose="020B0604020202020204" pitchFamily="34" charset="0"/>
-              <a:buChar char="•"/>
-            </a:pPr>
-            <a:r>
-              <a:rPr lang="en-IN" dirty="0">
-                <a:latin typeface="Cascadia Code SemiBold" panose="020B0609020000020004" pitchFamily="49" charset="0"/>
-                <a:ea typeface="Cascadia Code SemiBold" panose="020B0609020000020004" pitchFamily="49" charset="0"/>
-                <a:cs typeface="Cascadia Code SemiBold" panose="020B0609020000020004" pitchFamily="49" charset="0"/>
-                <a:hlinkClick r:id="rId4"/>
-              </a:rPr>
-              <a:t>https://www.git-tower.com/windows?utm_source=learn-website&amp;utm_medium=navigation</a:t>
-            </a:r>
-            <a:endParaRPr lang="en-IN" dirty="0">
-              <a:latin typeface="Cascadia Code SemiBold" panose="020B0609020000020004" pitchFamily="49" charset="0"/>
-              <a:ea typeface="Cascadia Code SemiBold" panose="020B0609020000020004" pitchFamily="49" charset="0"/>
-              <a:cs typeface="Cascadia Code SemiBold" panose="020B0609020000020004" pitchFamily="49" charset="0"/>
-            </a:endParaRPr>
-          </a:p>
-          <a:p>
-            <a:pPr marL="285750" indent="-285750">
-              <a:buFont typeface="Arial" panose="020B0604020202020204" pitchFamily="34" charset="0"/>
-              <a:buChar char="•"/>
-            </a:pPr>
-            <a:endParaRPr lang="en-IN" dirty="0">
-              <a:latin typeface="Cascadia Code SemiBold" panose="020B0609020000020004" pitchFamily="49" charset="0"/>
-              <a:ea typeface="Cascadia Code SemiBold" panose="020B0609020000020004" pitchFamily="49" charset="0"/>
-              <a:cs typeface="Cascadia Code SemiBold" panose="020B0609020000020004" pitchFamily="49" charset="0"/>
-            </a:endParaRPr>
-          </a:p>
-          <a:p>
-            <a:pPr marL="285750" indent="-285750">
-              <a:buFont typeface="Arial" panose="020B0604020202020204" pitchFamily="34" charset="0"/>
-              <a:buChar char="•"/>
-            </a:pPr>
-            <a:r>
-              <a:rPr lang="en-IN" dirty="0">
-                <a:latin typeface="Cascadia Code SemiBold" panose="020B0609020000020004" pitchFamily="49" charset="0"/>
-                <a:ea typeface="Cascadia Code SemiBold" panose="020B0609020000020004" pitchFamily="49" charset="0"/>
-                <a:cs typeface="Cascadia Code SemiBold" panose="020B0609020000020004" pitchFamily="49" charset="0"/>
-                <a:hlinkClick r:id="rId5"/>
-              </a:rPr>
-              <a:t>https://www.youtube.com/watch?v=8JJ101D3knE</a:t>
-            </a:r>
-            <a:endParaRPr lang="en-IN" dirty="0">
-              <a:latin typeface="Cascadia Code SemiBold" panose="020B0609020000020004" pitchFamily="49" charset="0"/>
-              <a:ea typeface="Cascadia Code SemiBold" panose="020B0609020000020004" pitchFamily="49" charset="0"/>
-              <a:cs typeface="Cascadia Code SemiBold" panose="020B0609020000020004" pitchFamily="49" charset="0"/>
-            </a:endParaRPr>
-          </a:p>
-          <a:p>
-            <a:pPr marL="285750" indent="-285750">
-              <a:buFont typeface="Arial" panose="020B0604020202020204" pitchFamily="34" charset="0"/>
-              <a:buChar char="•"/>
-            </a:pPr>
-            <a:endParaRPr lang="en-IN" dirty="0">
-              <a:latin typeface="Cascadia Code SemiBold" panose="020B0609020000020004" pitchFamily="49" charset="0"/>
-              <a:ea typeface="Cascadia Code SemiBold" panose="020B0609020000020004" pitchFamily="49" charset="0"/>
-              <a:cs typeface="Cascadia Code SemiBold" panose="020B0609020000020004" pitchFamily="49" charset="0"/>
-            </a:endParaRPr>
-          </a:p>
-          <a:p>
-            <a:r>
-              <a:rPr lang="en-IN" dirty="0">
-                <a:latin typeface="Cascadia Code SemiBold" panose="020B0609020000020004" pitchFamily="49" charset="0"/>
-                <a:ea typeface="Cascadia Code SemiBold" panose="020B0609020000020004" pitchFamily="49" charset="0"/>
-                <a:cs typeface="Cascadia Code SemiBold" panose="020B0609020000020004" pitchFamily="49" charset="0"/>
-              </a:rPr>
-              <a:t>I have used some images available on Google as well.</a:t>
-            </a:r>
-          </a:p>
-          <a:p>
-            <a:endParaRPr lang="en-IN" dirty="0">
-              <a:latin typeface="Cascadia Code SemiBold" panose="020B0609020000020004" pitchFamily="49" charset="0"/>
-              <a:ea typeface="Cascadia Code SemiBold" panose="020B0609020000020004" pitchFamily="49" charset="0"/>
-              <a:cs typeface="Cascadia Code SemiBold" panose="020B0609020000020004" pitchFamily="49" charset="0"/>
-            </a:endParaRPr>
-          </a:p>
-          <a:p>
-            <a:r>
-              <a:rPr lang="en-IN" dirty="0">
-                <a:latin typeface="Cascadia Code SemiBold" panose="020B0609020000020004" pitchFamily="49" charset="0"/>
-                <a:ea typeface="Cascadia Code SemiBold" panose="020B0609020000020004" pitchFamily="49" charset="0"/>
-                <a:cs typeface="Cascadia Code SemiBold" panose="020B0609020000020004" pitchFamily="49" charset="0"/>
-              </a:rPr>
-              <a:t>This was the first time I tried to understand git. It was an interesting experience. Looking forward to learning more.</a:t>
-            </a:r>
-          </a:p>
-          <a:p>
-            <a:endParaRPr lang="en-IN" dirty="0">
-              <a:latin typeface="Cascadia Code SemiBold" panose="020B0609020000020004" pitchFamily="49" charset="0"/>
-              <a:ea typeface="Cascadia Code SemiBold" panose="020B0609020000020004" pitchFamily="49" charset="0"/>
-              <a:cs typeface="Cascadia Code SemiBold" panose="020B0609020000020004" pitchFamily="49" charset="0"/>
-            </a:endParaRPr>
-          </a:p>
-          <a:p>
-            <a:endParaRPr lang="en-IN" dirty="0">
-              <a:latin typeface="Cascadia Code SemiBold" panose="020B0609020000020004" pitchFamily="49" charset="0"/>
-              <a:ea typeface="Cascadia Code SemiBold" panose="020B0609020000020004" pitchFamily="49" charset="0"/>
-              <a:cs typeface="Cascadia Code SemiBold" panose="020B0609020000020004" pitchFamily="49" charset="0"/>
-            </a:endParaRPr>
-          </a:p>
-          <a:p>
-            <a:r>
-              <a:rPr lang="en-IN" dirty="0">
-                <a:latin typeface="Cascadia Code SemiBold" panose="020B0609020000020004" pitchFamily="49" charset="0"/>
-                <a:ea typeface="Cascadia Code SemiBold" panose="020B0609020000020004" pitchFamily="49" charset="0"/>
-                <a:cs typeface="Cascadia Code SemiBold" panose="020B0609020000020004" pitchFamily="49" charset="0"/>
-              </a:rPr>
-              <a:t>Amrita Ghosh.</a:t>
-            </a:r>
-          </a:p>
-          <a:p>
-            <a:endParaRPr lang="en-IN" dirty="0"/>
-          </a:p>
         </p:txBody>
       </p:sp>
     </p:spTree>
     <p:extLst>
       <p:ext uri="{BB962C8B-B14F-4D97-AF65-F5344CB8AC3E}">
-        <p14:creationId xmlns:p14="http://schemas.microsoft.com/office/powerpoint/2010/main" val="786079440"/>
+        <p14:creationId xmlns:p14="http://schemas.microsoft.com/office/powerpoint/2010/main" val="395980024"/>
       </p:ext>
     </p:extLst>
   </p:cSld>
@@ -8040,130 +7689,6 @@
           <a:chExt cx="0" cy="0"/>
         </a:xfrm>
       </p:grpSpPr>
-      <p:sp>
-        <p:nvSpPr>
-          <p:cNvPr id="4" name="TextBox 3">
-            <a:extLst>
-              <a:ext uri="{FF2B5EF4-FFF2-40B4-BE49-F238E27FC236}">
-                <a16:creationId xmlns:a16="http://schemas.microsoft.com/office/drawing/2014/main" id="{4115A3D4-2651-6969-F6DA-866CF0F3FC2A}"/>
-              </a:ext>
-            </a:extLst>
-          </p:cNvPr>
-          <p:cNvSpPr txBox="1"/>
-          <p:nvPr/>
-        </p:nvSpPr>
-        <p:spPr>
-          <a:xfrm>
-            <a:off x="7918382" y="689788"/>
-            <a:ext cx="3811605" cy="5693866"/>
-          </a:xfrm>
-          <a:prstGeom prst="rect">
-            <a:avLst/>
-          </a:prstGeom>
-          <a:noFill/>
-        </p:spPr>
-        <p:txBody>
-          <a:bodyPr wrap="square" rtlCol="0">
-            <a:spAutoFit/>
-          </a:bodyPr>
-          <a:lstStyle/>
-          <a:p>
-            <a:r>
-              <a:rPr lang="en-US" sz="1400" dirty="0">
-                <a:latin typeface="Cascadia Code SemiBold" panose="020B0609020000020004" pitchFamily="49" charset="0"/>
-                <a:ea typeface="Cascadia Code SemiBold" panose="020B0609020000020004" pitchFamily="49" charset="0"/>
-                <a:cs typeface="Cascadia Code SemiBold" panose="020B0609020000020004" pitchFamily="49" charset="0"/>
-              </a:rPr>
-              <a:t>Before you can run git stash, you need to have some uncommitted changes in your Git repository.</a:t>
-            </a:r>
-          </a:p>
-          <a:p>
-            <a:r>
-              <a:rPr lang="en-US" sz="1400" dirty="0">
-                <a:latin typeface="Cascadia Code SemiBold" panose="020B0609020000020004" pitchFamily="49" charset="0"/>
-                <a:ea typeface="Cascadia Code SemiBold" panose="020B0609020000020004" pitchFamily="49" charset="0"/>
-                <a:cs typeface="Cascadia Code SemiBold" panose="020B0609020000020004" pitchFamily="49" charset="0"/>
-              </a:rPr>
-              <a:t>By default, git stash stores (or "stashes") the uncommitted changes (staged and </a:t>
-            </a:r>
-            <a:r>
-              <a:rPr lang="en-US" sz="1400" dirty="0" err="1">
-                <a:latin typeface="Cascadia Code SemiBold" panose="020B0609020000020004" pitchFamily="49" charset="0"/>
-                <a:ea typeface="Cascadia Code SemiBold" panose="020B0609020000020004" pitchFamily="49" charset="0"/>
-                <a:cs typeface="Cascadia Code SemiBold" panose="020B0609020000020004" pitchFamily="49" charset="0"/>
-              </a:rPr>
-              <a:t>unstaged</a:t>
-            </a:r>
-            <a:r>
-              <a:rPr lang="en-US" sz="1400" dirty="0">
-                <a:latin typeface="Cascadia Code SemiBold" panose="020B0609020000020004" pitchFamily="49" charset="0"/>
-                <a:ea typeface="Cascadia Code SemiBold" panose="020B0609020000020004" pitchFamily="49" charset="0"/>
-                <a:cs typeface="Cascadia Code SemiBold" panose="020B0609020000020004" pitchFamily="49" charset="0"/>
-              </a:rPr>
-              <a:t> files) and overlooks untracked and ignored files. Usually, you don't need to stash untracked and ignored files, but sometimes they might interfere with other things you want to do in your codebase.</a:t>
-            </a:r>
-          </a:p>
-          <a:p>
-            <a:endParaRPr lang="en-US" sz="1400" dirty="0">
-              <a:latin typeface="Cascadia Code SemiBold" panose="020B0609020000020004" pitchFamily="49" charset="0"/>
-              <a:ea typeface="Cascadia Code SemiBold" panose="020B0609020000020004" pitchFamily="49" charset="0"/>
-              <a:cs typeface="Cascadia Code SemiBold" panose="020B0609020000020004" pitchFamily="49" charset="0"/>
-            </a:endParaRPr>
-          </a:p>
-          <a:p>
-            <a:r>
-              <a:rPr lang="en-US" sz="1400" dirty="0">
-                <a:latin typeface="Cascadia Code SemiBold" panose="020B0609020000020004" pitchFamily="49" charset="0"/>
-                <a:ea typeface="Cascadia Code SemiBold" panose="020B0609020000020004" pitchFamily="49" charset="0"/>
-                <a:cs typeface="Cascadia Code SemiBold" panose="020B0609020000020004" pitchFamily="49" charset="0"/>
-              </a:rPr>
-              <a:t>You can use additional options to let git stash take care of untracked and ignored files:</a:t>
-            </a:r>
-          </a:p>
-          <a:p>
-            <a:endParaRPr lang="en-US" sz="1400" dirty="0">
-              <a:latin typeface="Cascadia Code SemiBold" panose="020B0609020000020004" pitchFamily="49" charset="0"/>
-              <a:ea typeface="Cascadia Code SemiBold" panose="020B0609020000020004" pitchFamily="49" charset="0"/>
-              <a:cs typeface="Cascadia Code SemiBold" panose="020B0609020000020004" pitchFamily="49" charset="0"/>
-            </a:endParaRPr>
-          </a:p>
-          <a:p>
-            <a:r>
-              <a:rPr lang="en-US" sz="1400" dirty="0">
-                <a:latin typeface="Cascadia Code SemiBold" panose="020B0609020000020004" pitchFamily="49" charset="0"/>
-                <a:ea typeface="Cascadia Code SemiBold" panose="020B0609020000020004" pitchFamily="49" charset="0"/>
-                <a:cs typeface="Cascadia Code SemiBold" panose="020B0609020000020004" pitchFamily="49" charset="0"/>
-              </a:rPr>
-              <a:t>git stash -u or git stash --include-untracked stash untracked files.</a:t>
-            </a:r>
-          </a:p>
-          <a:p>
-            <a:r>
-              <a:rPr lang="en-US" sz="1400" dirty="0">
-                <a:latin typeface="Cascadia Code SemiBold" panose="020B0609020000020004" pitchFamily="49" charset="0"/>
-                <a:ea typeface="Cascadia Code SemiBold" panose="020B0609020000020004" pitchFamily="49" charset="0"/>
-                <a:cs typeface="Cascadia Code SemiBold" panose="020B0609020000020004" pitchFamily="49" charset="0"/>
-              </a:rPr>
-              <a:t>git stash -a or git stash --all stash untracked files and ignored files.</a:t>
-            </a:r>
-          </a:p>
-          <a:p>
-            <a:r>
-              <a:rPr lang="en-US" sz="1400" dirty="0">
-                <a:latin typeface="Cascadia Code SemiBold" panose="020B0609020000020004" pitchFamily="49" charset="0"/>
-                <a:ea typeface="Cascadia Code SemiBold" panose="020B0609020000020004" pitchFamily="49" charset="0"/>
-                <a:cs typeface="Cascadia Code SemiBold" panose="020B0609020000020004" pitchFamily="49" charset="0"/>
-              </a:rPr>
-              <a:t>To stash specific files, you can use the command git stash -p or git stash –patch:</a:t>
-            </a:r>
-            <a:endParaRPr lang="en-IN" sz="1400" dirty="0">
-              <a:latin typeface="Cascadia Code SemiBold" panose="020B0609020000020004" pitchFamily="49" charset="0"/>
-              <a:ea typeface="Cascadia Code SemiBold" panose="020B0609020000020004" pitchFamily="49" charset="0"/>
-              <a:cs typeface="Cascadia Code SemiBold" panose="020B0609020000020004" pitchFamily="49" charset="0"/>
-            </a:endParaRPr>
-          </a:p>
-        </p:txBody>
-      </p:sp>
       <p:pic>
         <p:nvPicPr>
           <p:cNvPr id="6" name="Picture 5">
@@ -8215,8 +7740,8 @@
         </p:blipFill>
         <p:spPr>
           <a:xfrm>
-            <a:off x="306354" y="2227766"/>
-            <a:ext cx="5606766" cy="236301"/>
+            <a:off x="269405" y="2210734"/>
+            <a:ext cx="5643715" cy="237858"/>
           </a:xfrm>
           <a:prstGeom prst="rect">
             <a:avLst/>
@@ -8361,8 +7886,8 @@
         </p:blipFill>
         <p:spPr>
           <a:xfrm>
-            <a:off x="4481972" y="2612703"/>
-            <a:ext cx="3269572" cy="2034563"/>
+            <a:off x="6891688" y="311353"/>
+            <a:ext cx="4219073" cy="2625411"/>
           </a:xfrm>
           <a:prstGeom prst="rect">
             <a:avLst/>
@@ -8417,7 +7942,7 @@
         </p:nvSpPr>
         <p:spPr>
           <a:xfrm>
-            <a:off x="213235" y="457949"/>
+            <a:off x="107357" y="1815111"/>
             <a:ext cx="5484921" cy="2971051"/>
           </a:xfrm>
         </p:spPr>
@@ -8453,7 +7978,37 @@
                 <a:ea typeface="Cascadia Code SemiBold" panose="020B0609020000020004" pitchFamily="49" charset="0"/>
                 <a:cs typeface="Cascadia Code SemiBold" panose="020B0609020000020004" pitchFamily="49" charset="0"/>
               </a:rPr>
-              <a:t>git bisect performs a binary search to find the faulty commit</a:t>
+              <a:t>Git lets you bisect all the changes made and find</a:t>
+            </a:r>
+            <a:br>
+              <a:rPr lang="en-US" sz="2000" dirty="0">
+                <a:latin typeface="Cascadia Code SemiBold" panose="020B0609020000020004" pitchFamily="49" charset="0"/>
+                <a:ea typeface="Cascadia Code SemiBold" panose="020B0609020000020004" pitchFamily="49" charset="0"/>
+                <a:cs typeface="Cascadia Code SemiBold" panose="020B0609020000020004" pitchFamily="49" charset="0"/>
+              </a:rPr>
+            </a:br>
+            <a:r>
+              <a:rPr lang="en-US" sz="2000" dirty="0">
+                <a:latin typeface="Cascadia Code SemiBold" panose="020B0609020000020004" pitchFamily="49" charset="0"/>
+                <a:ea typeface="Cascadia Code SemiBold" panose="020B0609020000020004" pitchFamily="49" charset="0"/>
+                <a:cs typeface="Cascadia Code SemiBold" panose="020B0609020000020004" pitchFamily="49" charset="0"/>
+              </a:rPr>
+              <a:t>the commit which caused any issue.</a:t>
+            </a:r>
+            <a:br>
+              <a:rPr lang="en-US" sz="2000" dirty="0">
+                <a:latin typeface="Cascadia Code SemiBold" panose="020B0609020000020004" pitchFamily="49" charset="0"/>
+                <a:ea typeface="Cascadia Code SemiBold" panose="020B0609020000020004" pitchFamily="49" charset="0"/>
+                <a:cs typeface="Cascadia Code SemiBold" panose="020B0609020000020004" pitchFamily="49" charset="0"/>
+              </a:rPr>
+            </a:br>
+            <a:r>
+              <a:rPr lang="en-US" sz="2000" dirty="0">
+                <a:latin typeface="Cascadia Code SemiBold" panose="020B0609020000020004" pitchFamily="49" charset="0"/>
+                <a:ea typeface="Cascadia Code SemiBold" panose="020B0609020000020004" pitchFamily="49" charset="0"/>
+                <a:cs typeface="Cascadia Code SemiBold" panose="020B0609020000020004" pitchFamily="49" charset="0"/>
+              </a:rPr>
+              <a:t>It pinpoints the change. git bisect performs a binary search to find the faulty commit</a:t>
             </a:r>
             <a:endParaRPr lang="en-IN" sz="2000" dirty="0">
               <a:latin typeface="Cascadia Code SemiBold" panose="020B0609020000020004" pitchFamily="49" charset="0"/>
@@ -8567,98 +8122,6 @@
           <a:chExt cx="0" cy="0"/>
         </a:xfrm>
       </p:grpSpPr>
-      <p:sp>
-        <p:nvSpPr>
-          <p:cNvPr id="2" name="TextBox 1">
-            <a:extLst>
-              <a:ext uri="{FF2B5EF4-FFF2-40B4-BE49-F238E27FC236}">
-                <a16:creationId xmlns:a16="http://schemas.microsoft.com/office/drawing/2014/main" id="{2AF177E0-CC18-AFB0-9ABD-C4007FA98A5A}"/>
-              </a:ext>
-            </a:extLst>
-          </p:cNvPr>
-          <p:cNvSpPr txBox="1"/>
-          <p:nvPr/>
-        </p:nvSpPr>
-        <p:spPr>
-          <a:xfrm>
-            <a:off x="231006" y="413886"/>
-            <a:ext cx="5091765" cy="2862322"/>
-          </a:xfrm>
-          <a:prstGeom prst="rect">
-            <a:avLst/>
-          </a:prstGeom>
-          <a:noFill/>
-        </p:spPr>
-        <p:txBody>
-          <a:bodyPr wrap="square" rtlCol="0">
-            <a:spAutoFit/>
-          </a:bodyPr>
-          <a:lstStyle/>
-          <a:p>
-            <a:r>
-              <a:rPr lang="en-US" dirty="0">
-                <a:latin typeface="Cascadia Code SemiBold" panose="020B0609020000020004" pitchFamily="49" charset="0"/>
-                <a:ea typeface="Cascadia Code SemiBold" panose="020B0609020000020004" pitchFamily="49" charset="0"/>
-                <a:cs typeface="Cascadia Code SemiBold" panose="020B0609020000020004" pitchFamily="49" charset="0"/>
-              </a:rPr>
-              <a:t>The following code demonstrates the use of git bisect to find the faulty commit.</a:t>
-            </a:r>
-          </a:p>
-          <a:p>
-            <a:endParaRPr lang="en-US" dirty="0">
-              <a:latin typeface="Cascadia Code SemiBold" panose="020B0609020000020004" pitchFamily="49" charset="0"/>
-              <a:ea typeface="Cascadia Code SemiBold" panose="020B0609020000020004" pitchFamily="49" charset="0"/>
-              <a:cs typeface="Cascadia Code SemiBold" panose="020B0609020000020004" pitchFamily="49" charset="0"/>
-            </a:endParaRPr>
-          </a:p>
-          <a:p>
-            <a:pPr marL="342900" indent="-342900">
-              <a:buAutoNum type="arabicPeriod"/>
-            </a:pPr>
-            <a:r>
-              <a:rPr lang="en-US" dirty="0">
-                <a:latin typeface="Cascadia Code SemiBold" panose="020B0609020000020004" pitchFamily="49" charset="0"/>
-                <a:ea typeface="Cascadia Code SemiBold" panose="020B0609020000020004" pitchFamily="49" charset="0"/>
-                <a:cs typeface="Cascadia Code SemiBold" panose="020B0609020000020004" pitchFamily="49" charset="0"/>
-              </a:rPr>
-              <a:t>Initializing the repository</a:t>
-            </a:r>
-          </a:p>
-          <a:p>
-            <a:pPr marL="342900" indent="-342900">
-              <a:buAutoNum type="arabicPeriod"/>
-            </a:pPr>
-            <a:r>
-              <a:rPr lang="en-US" dirty="0">
-                <a:latin typeface="Cascadia Code SemiBold" panose="020B0609020000020004" pitchFamily="49" charset="0"/>
-                <a:ea typeface="Cascadia Code SemiBold" panose="020B0609020000020004" pitchFamily="49" charset="0"/>
-                <a:cs typeface="Cascadia Code SemiBold" panose="020B0609020000020004" pitchFamily="49" charset="0"/>
-              </a:rPr>
-              <a:t>Creating commits to demonstrate git bisect</a:t>
-            </a:r>
-          </a:p>
-          <a:p>
-            <a:pPr marL="342900" indent="-342900">
-              <a:buAutoNum type="arabicPeriod"/>
-            </a:pPr>
-            <a:r>
-              <a:rPr lang="en-US" dirty="0">
-                <a:latin typeface="Cascadia Code SemiBold" panose="020B0609020000020004" pitchFamily="49" charset="0"/>
-                <a:ea typeface="Cascadia Code SemiBold" panose="020B0609020000020004" pitchFamily="49" charset="0"/>
-                <a:cs typeface="Cascadia Code SemiBold" panose="020B0609020000020004" pitchFamily="49" charset="0"/>
-              </a:rPr>
-              <a:t>Finding the log history and narrowing down the bad commit.</a:t>
-            </a:r>
-          </a:p>
-          <a:p>
-            <a:endParaRPr lang="en-US" dirty="0">
-              <a:latin typeface="Cascadia Code SemiBold" panose="020B0609020000020004" pitchFamily="49" charset="0"/>
-              <a:ea typeface="Cascadia Code SemiBold" panose="020B0609020000020004" pitchFamily="49" charset="0"/>
-              <a:cs typeface="Cascadia Code SemiBold" panose="020B0609020000020004" pitchFamily="49" charset="0"/>
-            </a:endParaRPr>
-          </a:p>
-        </p:txBody>
-      </p:sp>
       <p:pic>
         <p:nvPicPr>
           <p:cNvPr id="4" name="Picture 3">
@@ -8753,7 +8216,7 @@
                 <a:ea typeface="Cascadia Code SemiBold" panose="020B0609020000020004" pitchFamily="49" charset="0"/>
                 <a:cs typeface="Cascadia Code SemiBold" panose="020B0609020000020004" pitchFamily="49" charset="0"/>
               </a:rPr>
-              <a:t>We can now categorize the first commit as good and the last commit as bad. We check the contents of the test file.</a:t>
+              <a:t>We can categorize the first commit as good and the last commit as bad. We check the contents of the test file.</a:t>
             </a:r>
           </a:p>
           <a:p>
@@ -8785,6 +8248,36 @@
           </a:p>
         </p:txBody>
       </p:sp>
+      <p:pic>
+        <p:nvPicPr>
+          <p:cNvPr id="10" name="Picture 9">
+            <a:extLst>
+              <a:ext uri="{FF2B5EF4-FFF2-40B4-BE49-F238E27FC236}">
+                <a16:creationId xmlns:a16="http://schemas.microsoft.com/office/drawing/2014/main" id="{5F325F76-0FB0-2917-64F0-084C4CC601DF}"/>
+              </a:ext>
+            </a:extLst>
+          </p:cNvPr>
+          <p:cNvPicPr>
+            <a:picLocks noChangeAspect="1"/>
+          </p:cNvPicPr>
+          <p:nvPr/>
+        </p:nvPicPr>
+        <p:blipFill>
+          <a:blip r:embed="rId4"/>
+          <a:stretch>
+            <a:fillRect/>
+          </a:stretch>
+        </p:blipFill>
+        <p:spPr>
+          <a:xfrm>
+            <a:off x="1248626" y="385055"/>
+            <a:ext cx="2815865" cy="3636599"/>
+          </a:xfrm>
+          <a:prstGeom prst="rect">
+            <a:avLst/>
+          </a:prstGeom>
+        </p:spPr>
+      </p:pic>
     </p:spTree>
     <p:extLst>
       <p:ext uri="{BB962C8B-B14F-4D97-AF65-F5344CB8AC3E}">
@@ -8909,7 +8402,7 @@
                 <a:ea typeface="Cascadia Code SemiBold" panose="020B0609020000020004" pitchFamily="49" charset="0"/>
                 <a:cs typeface="Cascadia Code SemiBold" panose="020B0609020000020004" pitchFamily="49" charset="0"/>
               </a:rPr>
-              <a:t> command is used for Git to record updates made to the tip of branches. It allows returning to commits even to the ones that are not referenced by any branch or any tag. After rewriting history, the </a:t>
+              <a:t> command is used for Git to record updates made to the tip of branches. After rewriting history, the </a:t>
             </a:r>
             <a:r>
               <a:rPr lang="en-US" sz="2000" dirty="0" err="1">
@@ -9498,18 +8991,13 @@
           <a:lstStyle/>
           <a:p>
             <a:r>
-              <a:rPr lang="en-US" dirty="0">
-                <a:latin typeface="Cascadia Code SemiBold" panose="020B0609020000020004" pitchFamily="49" charset="0"/>
-                <a:ea typeface="Cascadia Code SemiBold" panose="020B0609020000020004" pitchFamily="49" charset="0"/>
-                <a:cs typeface="Cascadia Code SemiBold" panose="020B0609020000020004" pitchFamily="49" charset="0"/>
-              </a:rPr>
-              <a:t>Diff command is used in git to track the difference between the changes made on a file. Since Git is a version control system, tracking changes are something very vital to it. Diff command takes two inputs and reflects the differences between them.</a:t>
-            </a:r>
-            <a:endParaRPr lang="en-IN" dirty="0">
-              <a:latin typeface="Cascadia Code SemiBold" panose="020B0609020000020004" pitchFamily="49" charset="0"/>
-              <a:ea typeface="Cascadia Code SemiBold" panose="020B0609020000020004" pitchFamily="49" charset="0"/>
-              <a:cs typeface="Cascadia Code SemiBold" panose="020B0609020000020004" pitchFamily="49" charset="0"/>
-            </a:endParaRPr>
+              <a:rPr lang="en-IN" dirty="0">
+                <a:latin typeface="Cascadia Code SemiBold" panose="020B0609020000020004" pitchFamily="49" charset="0"/>
+                <a:ea typeface="Cascadia Code SemiBold" panose="020B0609020000020004" pitchFamily="49" charset="0"/>
+                <a:cs typeface="Cascadia Code SemiBold" panose="020B0609020000020004" pitchFamily="49" charset="0"/>
+              </a:rPr>
+              <a:t>The default is the last commit. To find changes relative to any commit made earlier, we can do that by specifying its ID.</a:t>
+            </a:r>
           </a:p>
         </p:txBody>
       </p:sp>
